--- a/AA20-rpt14/아두이노 응용 기말 프로젝트.pptx
+++ b/AA20-rpt14/아두이노 응용 기말 프로젝트.pptx
@@ -6,11 +6,18 @@
   </p:sldMasterIdLst>
   <p:sldIdLst>
     <p:sldId id="256" r:id="rId2"/>
-    <p:sldId id="259" r:id="rId3"/>
-    <p:sldId id="260" r:id="rId4"/>
-    <p:sldId id="257" r:id="rId5"/>
-    <p:sldId id="258" r:id="rId6"/>
-    <p:sldId id="261" r:id="rId7"/>
+    <p:sldId id="260" r:id="rId3"/>
+    <p:sldId id="257" r:id="rId4"/>
+    <p:sldId id="258" r:id="rId5"/>
+    <p:sldId id="261" r:id="rId6"/>
+    <p:sldId id="262" r:id="rId7"/>
+    <p:sldId id="263" r:id="rId8"/>
+    <p:sldId id="264" r:id="rId9"/>
+    <p:sldId id="269" r:id="rId10"/>
+    <p:sldId id="265" r:id="rId11"/>
+    <p:sldId id="266" r:id="rId12"/>
+    <p:sldId id="267" r:id="rId13"/>
+    <p:sldId id="268" r:id="rId14"/>
   </p:sldIdLst>
   <p:sldSz cx="12192000" cy="6858000"/>
   <p:notesSz cx="6858000" cy="9144000"/>
@@ -109,6 +116,11 @@
       </a:defRPr>
     </a:lvl9pPr>
   </p:defaultTextStyle>
+  <p:extLst>
+    <p:ext uri="{EFAFB233-063F-42B5-8137-9DF3F51BA10A}">
+      <p15:sldGuideLst xmlns:p15="http://schemas.microsoft.com/office/powerpoint/2012/main"/>
+    </p:ext>
+  </p:extLst>
 </p:presentation>
 </file>
 
@@ -857,7 +869,7 @@
           <a:p>
             <a:fld id="{94335D7C-7EEF-4522-9C38-2D33C6AC78AD}" type="datetimeFigureOut">
               <a:rPr lang="ko-KR" altLang="en-US" smtClean="0"/>
-              <a:t>2021-12-05</a:t>
+              <a:t>2021-12-11</a:t>
             </a:fld>
             <a:endParaRPr lang="ko-KR" altLang="en-US"/>
           </a:p>
@@ -1108,7 +1120,7 @@
           <a:p>
             <a:fld id="{94335D7C-7EEF-4522-9C38-2D33C6AC78AD}" type="datetimeFigureOut">
               <a:rPr lang="ko-KR" altLang="en-US" smtClean="0"/>
-              <a:t>2021-12-05</a:t>
+              <a:t>2021-12-11</a:t>
             </a:fld>
             <a:endParaRPr lang="ko-KR" altLang="en-US"/>
           </a:p>
@@ -1422,7 +1434,7 @@
           <a:p>
             <a:fld id="{94335D7C-7EEF-4522-9C38-2D33C6AC78AD}" type="datetimeFigureOut">
               <a:rPr lang="ko-KR" altLang="en-US" smtClean="0"/>
-              <a:t>2021-12-05</a:t>
+              <a:t>2021-12-11</a:t>
             </a:fld>
             <a:endParaRPr lang="ko-KR" altLang="en-US"/>
           </a:p>
@@ -1755,7 +1767,7 @@
           <a:p>
             <a:fld id="{94335D7C-7EEF-4522-9C38-2D33C6AC78AD}" type="datetimeFigureOut">
               <a:rPr lang="ko-KR" altLang="en-US" smtClean="0"/>
-              <a:t>2021-12-05</a:t>
+              <a:t>2021-12-11</a:t>
             </a:fld>
             <a:endParaRPr lang="ko-KR" altLang="en-US"/>
           </a:p>
@@ -2069,7 +2081,7 @@
           <a:p>
             <a:fld id="{94335D7C-7EEF-4522-9C38-2D33C6AC78AD}" type="datetimeFigureOut">
               <a:rPr lang="ko-KR" altLang="en-US" smtClean="0"/>
-              <a:t>2021-12-05</a:t>
+              <a:t>2021-12-11</a:t>
             </a:fld>
             <a:endParaRPr lang="ko-KR" altLang="en-US"/>
           </a:p>
@@ -2462,7 +2474,7 @@
           <a:p>
             <a:fld id="{94335D7C-7EEF-4522-9C38-2D33C6AC78AD}" type="datetimeFigureOut">
               <a:rPr lang="ko-KR" altLang="en-US" smtClean="0"/>
-              <a:t>2021-12-05</a:t>
+              <a:t>2021-12-11</a:t>
             </a:fld>
             <a:endParaRPr lang="ko-KR" altLang="en-US"/>
           </a:p>
@@ -2632,7 +2644,7 @@
           <a:p>
             <a:fld id="{94335D7C-7EEF-4522-9C38-2D33C6AC78AD}" type="datetimeFigureOut">
               <a:rPr lang="ko-KR" altLang="en-US" smtClean="0"/>
-              <a:t>2021-12-05</a:t>
+              <a:t>2021-12-11</a:t>
             </a:fld>
             <a:endParaRPr lang="ko-KR" altLang="en-US"/>
           </a:p>
@@ -2812,7 +2824,7 @@
           <a:p>
             <a:fld id="{94335D7C-7EEF-4522-9C38-2D33C6AC78AD}" type="datetimeFigureOut">
               <a:rPr lang="ko-KR" altLang="en-US" smtClean="0"/>
-              <a:t>2021-12-05</a:t>
+              <a:t>2021-12-11</a:t>
             </a:fld>
             <a:endParaRPr lang="ko-KR" altLang="en-US"/>
           </a:p>
@@ -2982,7 +2994,7 @@
           <a:p>
             <a:fld id="{94335D7C-7EEF-4522-9C38-2D33C6AC78AD}" type="datetimeFigureOut">
               <a:rPr lang="ko-KR" altLang="en-US" smtClean="0"/>
-              <a:t>2021-12-05</a:t>
+              <a:t>2021-12-11</a:t>
             </a:fld>
             <a:endParaRPr lang="ko-KR" altLang="en-US"/>
           </a:p>
@@ -3229,7 +3241,7 @@
           <a:p>
             <a:fld id="{94335D7C-7EEF-4522-9C38-2D33C6AC78AD}" type="datetimeFigureOut">
               <a:rPr lang="ko-KR" altLang="en-US" smtClean="0"/>
-              <a:t>2021-12-05</a:t>
+              <a:t>2021-12-11</a:t>
             </a:fld>
             <a:endParaRPr lang="ko-KR" altLang="en-US"/>
           </a:p>
@@ -3461,7 +3473,7 @@
           <a:p>
             <a:fld id="{94335D7C-7EEF-4522-9C38-2D33C6AC78AD}" type="datetimeFigureOut">
               <a:rPr lang="ko-KR" altLang="en-US" smtClean="0"/>
-              <a:t>2021-12-05</a:t>
+              <a:t>2021-12-11</a:t>
             </a:fld>
             <a:endParaRPr lang="ko-KR" altLang="en-US"/>
           </a:p>
@@ -3835,7 +3847,7 @@
           <a:p>
             <a:fld id="{94335D7C-7EEF-4522-9C38-2D33C6AC78AD}" type="datetimeFigureOut">
               <a:rPr lang="ko-KR" altLang="en-US" smtClean="0"/>
-              <a:t>2021-12-05</a:t>
+              <a:t>2021-12-11</a:t>
             </a:fld>
             <a:endParaRPr lang="ko-KR" altLang="en-US"/>
           </a:p>
@@ -3958,7 +3970,7 @@
           <a:p>
             <a:fld id="{94335D7C-7EEF-4522-9C38-2D33C6AC78AD}" type="datetimeFigureOut">
               <a:rPr lang="ko-KR" altLang="en-US" smtClean="0"/>
-              <a:t>2021-12-05</a:t>
+              <a:t>2021-12-11</a:t>
             </a:fld>
             <a:endParaRPr lang="ko-KR" altLang="en-US"/>
           </a:p>
@@ -4053,7 +4065,7 @@
           <a:p>
             <a:fld id="{94335D7C-7EEF-4522-9C38-2D33C6AC78AD}" type="datetimeFigureOut">
               <a:rPr lang="ko-KR" altLang="en-US" smtClean="0"/>
-              <a:t>2021-12-05</a:t>
+              <a:t>2021-12-11</a:t>
             </a:fld>
             <a:endParaRPr lang="ko-KR" altLang="en-US"/>
           </a:p>
@@ -4308,7 +4320,7 @@
           <a:p>
             <a:fld id="{94335D7C-7EEF-4522-9C38-2D33C6AC78AD}" type="datetimeFigureOut">
               <a:rPr lang="ko-KR" altLang="en-US" smtClean="0"/>
-              <a:t>2021-12-05</a:t>
+              <a:t>2021-12-11</a:t>
             </a:fld>
             <a:endParaRPr lang="ko-KR" altLang="en-US"/>
           </a:p>
@@ -4613,7 +4625,7 @@
           <a:p>
             <a:fld id="{94335D7C-7EEF-4522-9C38-2D33C6AC78AD}" type="datetimeFigureOut">
               <a:rPr lang="ko-KR" altLang="en-US" smtClean="0"/>
-              <a:t>2021-12-05</a:t>
+              <a:t>2021-12-11</a:t>
             </a:fld>
             <a:endParaRPr lang="ko-KR" altLang="en-US"/>
           </a:p>
@@ -5315,7 +5327,7 @@
           <a:p>
             <a:fld id="{94335D7C-7EEF-4522-9C38-2D33C6AC78AD}" type="datetimeFigureOut">
               <a:rPr lang="ko-KR" altLang="en-US" smtClean="0"/>
-              <a:t>2021-12-05</a:t>
+              <a:t>2021-12-11</a:t>
             </a:fld>
             <a:endParaRPr lang="ko-KR" altLang="en-US"/>
           </a:p>
@@ -5880,7 +5892,12 @@
             <p:ph type="subTitle" idx="1"/>
           </p:nvPr>
         </p:nvSpPr>
-        <p:spPr/>
+        <p:spPr>
+          <a:xfrm>
+            <a:off x="1507067" y="4050836"/>
+            <a:ext cx="7766936" cy="1096899"/>
+          </a:xfrm>
+        </p:spPr>
         <p:txBody>
           <a:bodyPr/>
           <a:lstStyle/>
@@ -5909,6 +5926,953 @@
     <p:extLst>
       <p:ext uri="{BB962C8B-B14F-4D97-AF65-F5344CB8AC3E}">
         <p14:creationId xmlns:p14="http://schemas.microsoft.com/office/powerpoint/2010/main" val="471758641"/>
+      </p:ext>
+    </p:extLst>
+  </p:cSld>
+  <p:clrMapOvr>
+    <a:masterClrMapping/>
+  </p:clrMapOvr>
+</p:sld>
+</file>
+
+<file path=ppt/slides/slide10.xml><?xml version="1.0" encoding="utf-8"?>
+<p:sld xmlns:a="http://schemas.openxmlformats.org/drawingml/2006/main" xmlns:r="http://schemas.openxmlformats.org/officeDocument/2006/relationships" xmlns:p="http://schemas.openxmlformats.org/presentationml/2006/main">
+  <p:cSld>
+    <p:spTree>
+      <p:nvGrpSpPr>
+        <p:cNvPr id="1" name=""/>
+        <p:cNvGrpSpPr/>
+        <p:nvPr/>
+      </p:nvGrpSpPr>
+      <p:grpSpPr>
+        <a:xfrm>
+          <a:off x="0" y="0"/>
+          <a:ext cx="0" cy="0"/>
+          <a:chOff x="0" y="0"/>
+          <a:chExt cx="0" cy="0"/>
+        </a:xfrm>
+      </p:grpSpPr>
+      <p:sp>
+        <p:nvSpPr>
+          <p:cNvPr id="2" name="제목 1"/>
+          <p:cNvSpPr>
+            <a:spLocks noGrp="1"/>
+          </p:cNvSpPr>
+          <p:nvPr>
+            <p:ph type="title"/>
+          </p:nvPr>
+        </p:nvSpPr>
+        <p:spPr/>
+        <p:txBody>
+          <a:bodyPr/>
+          <a:lstStyle/>
+          <a:p>
+            <a:r>
+              <a:rPr lang="en-US" altLang="ko-KR" dirty="0" err="1"/>
+              <a:t>C</a:t>
+            </a:r>
+            <a:r>
+              <a:rPr lang="en-US" altLang="ko-KR" dirty="0" err="1" smtClean="0"/>
+              <a:t>olab</a:t>
+            </a:r>
+            <a:endParaRPr lang="ko-KR" altLang="en-US" dirty="0"/>
+          </a:p>
+        </p:txBody>
+      </p:sp>
+      <p:pic>
+        <p:nvPicPr>
+          <p:cNvPr id="3" name="그림 2"/>
+          <p:cNvPicPr>
+            <a:picLocks noChangeAspect="1"/>
+          </p:cNvPicPr>
+          <p:nvPr/>
+        </p:nvPicPr>
+        <p:blipFill>
+          <a:blip r:embed="rId2"/>
+          <a:stretch>
+            <a:fillRect/>
+          </a:stretch>
+        </p:blipFill>
+        <p:spPr>
+          <a:xfrm>
+            <a:off x="677334" y="2134207"/>
+            <a:ext cx="3924003" cy="2894994"/>
+          </a:xfrm>
+          <a:prstGeom prst="rect">
+            <a:avLst/>
+          </a:prstGeom>
+        </p:spPr>
+      </p:pic>
+      <p:sp>
+        <p:nvSpPr>
+          <p:cNvPr id="4" name="TextBox 3"/>
+          <p:cNvSpPr txBox="1"/>
+          <p:nvPr/>
+        </p:nvSpPr>
+        <p:spPr>
+          <a:xfrm>
+            <a:off x="893465" y="5097330"/>
+            <a:ext cx="1326033" cy="646331"/>
+          </a:xfrm>
+          <a:prstGeom prst="rect">
+            <a:avLst/>
+          </a:prstGeom>
+          <a:noFill/>
+        </p:spPr>
+        <p:txBody>
+          <a:bodyPr wrap="square" rtlCol="0">
+            <a:spAutoFit/>
+          </a:bodyPr>
+          <a:lstStyle/>
+          <a:p>
+            <a:r>
+              <a:rPr lang="ko-KR" altLang="en-US" smtClean="0"/>
+              <a:t>실시간으로 불러오기</a:t>
+            </a:r>
+            <a:endParaRPr lang="ko-KR" altLang="en-US" dirty="0"/>
+          </a:p>
+        </p:txBody>
+      </p:sp>
+      <p:sp>
+        <p:nvSpPr>
+          <p:cNvPr id="7" name="TextBox 6"/>
+          <p:cNvSpPr txBox="1"/>
+          <p:nvPr/>
+        </p:nvSpPr>
+        <p:spPr>
+          <a:xfrm>
+            <a:off x="4601337" y="1487876"/>
+            <a:ext cx="1408765" cy="646331"/>
+          </a:xfrm>
+          <a:prstGeom prst="rect">
+            <a:avLst/>
+          </a:prstGeom>
+          <a:noFill/>
+        </p:spPr>
+        <p:txBody>
+          <a:bodyPr wrap="square" rtlCol="0">
+            <a:spAutoFit/>
+          </a:bodyPr>
+          <a:lstStyle/>
+          <a:p>
+            <a:r>
+              <a:rPr lang="ko-KR" altLang="en-US" dirty="0" smtClean="0"/>
+              <a:t>각 센서들의 </a:t>
+            </a:r>
+            <a:r>
+              <a:rPr lang="ko-KR" altLang="en-US" dirty="0" err="1" smtClean="0"/>
+              <a:t>백터</a:t>
+            </a:r>
+            <a:r>
+              <a:rPr lang="ko-KR" altLang="en-US" dirty="0" smtClean="0"/>
+              <a:t> 값</a:t>
+            </a:r>
+            <a:endParaRPr lang="ko-KR" altLang="en-US" dirty="0"/>
+          </a:p>
+        </p:txBody>
+      </p:sp>
+      <p:pic>
+        <p:nvPicPr>
+          <p:cNvPr id="8" name="그림 7"/>
+          <p:cNvPicPr>
+            <a:picLocks noChangeAspect="1"/>
+          </p:cNvPicPr>
+          <p:nvPr/>
+        </p:nvPicPr>
+        <p:blipFill>
+          <a:blip r:embed="rId3"/>
+          <a:stretch>
+            <a:fillRect/>
+          </a:stretch>
+        </p:blipFill>
+        <p:spPr>
+          <a:xfrm>
+            <a:off x="4601337" y="2800957"/>
+            <a:ext cx="4409209" cy="2544720"/>
+          </a:xfrm>
+          <a:prstGeom prst="rect">
+            <a:avLst/>
+          </a:prstGeom>
+        </p:spPr>
+      </p:pic>
+      <p:sp>
+        <p:nvSpPr>
+          <p:cNvPr id="9" name="타원 8"/>
+          <p:cNvSpPr/>
+          <p:nvPr/>
+        </p:nvSpPr>
+        <p:spPr>
+          <a:xfrm>
+            <a:off x="4975668" y="4164676"/>
+            <a:ext cx="3936457" cy="1462606"/>
+          </a:xfrm>
+          <a:prstGeom prst="ellipse">
+            <a:avLst/>
+          </a:prstGeom>
+          <a:noFill/>
+          <a:ln>
+            <a:solidFill>
+              <a:srgbClr val="C00000"/>
+            </a:solidFill>
+          </a:ln>
+        </p:spPr>
+        <p:style>
+          <a:lnRef idx="2">
+            <a:schemeClr val="dk1"/>
+          </a:lnRef>
+          <a:fillRef idx="1">
+            <a:schemeClr val="lt1"/>
+          </a:fillRef>
+          <a:effectRef idx="0">
+            <a:schemeClr val="dk1"/>
+          </a:effectRef>
+          <a:fontRef idx="minor">
+            <a:schemeClr val="dk1"/>
+          </a:fontRef>
+        </p:style>
+        <p:txBody>
+          <a:bodyPr rtlCol="0" anchor="ctr"/>
+          <a:lstStyle/>
+          <a:p>
+            <a:pPr algn="ctr"/>
+            <a:endParaRPr lang="ko-KR" altLang="en-US"/>
+          </a:p>
+        </p:txBody>
+      </p:sp>
+      <p:pic>
+        <p:nvPicPr>
+          <p:cNvPr id="5" name="그림 4"/>
+          <p:cNvPicPr>
+            <a:picLocks noChangeAspect="1"/>
+          </p:cNvPicPr>
+          <p:nvPr/>
+        </p:nvPicPr>
+        <p:blipFill>
+          <a:blip r:embed="rId4"/>
+          <a:stretch>
+            <a:fillRect/>
+          </a:stretch>
+        </p:blipFill>
+        <p:spPr>
+          <a:xfrm>
+            <a:off x="4601337" y="2134207"/>
+            <a:ext cx="4409209" cy="666750"/>
+          </a:xfrm>
+          <a:prstGeom prst="rect">
+            <a:avLst/>
+          </a:prstGeom>
+        </p:spPr>
+      </p:pic>
+    </p:spTree>
+    <p:extLst>
+      <p:ext uri="{BB962C8B-B14F-4D97-AF65-F5344CB8AC3E}">
+        <p14:creationId xmlns:p14="http://schemas.microsoft.com/office/powerpoint/2010/main" val="167569807"/>
+      </p:ext>
+    </p:extLst>
+  </p:cSld>
+  <p:clrMapOvr>
+    <a:masterClrMapping/>
+  </p:clrMapOvr>
+</p:sld>
+</file>
+
+<file path=ppt/slides/slide11.xml><?xml version="1.0" encoding="utf-8"?>
+<p:sld xmlns:a="http://schemas.openxmlformats.org/drawingml/2006/main" xmlns:r="http://schemas.openxmlformats.org/officeDocument/2006/relationships" xmlns:p="http://schemas.openxmlformats.org/presentationml/2006/main">
+  <p:cSld>
+    <p:spTree>
+      <p:nvGrpSpPr>
+        <p:cNvPr id="1" name=""/>
+        <p:cNvGrpSpPr/>
+        <p:nvPr/>
+      </p:nvGrpSpPr>
+      <p:grpSpPr>
+        <a:xfrm>
+          <a:off x="0" y="0"/>
+          <a:ext cx="0" cy="0"/>
+          <a:chOff x="0" y="0"/>
+          <a:chExt cx="0" cy="0"/>
+        </a:xfrm>
+      </p:grpSpPr>
+      <p:sp>
+        <p:nvSpPr>
+          <p:cNvPr id="2" name="제목 1"/>
+          <p:cNvSpPr>
+            <a:spLocks noGrp="1"/>
+          </p:cNvSpPr>
+          <p:nvPr>
+            <p:ph type="title"/>
+          </p:nvPr>
+        </p:nvSpPr>
+        <p:spPr/>
+        <p:txBody>
+          <a:bodyPr/>
+          <a:lstStyle/>
+          <a:p>
+            <a:r>
+              <a:rPr lang="en-US" altLang="ko-KR" dirty="0" err="1"/>
+              <a:t>Colab</a:t>
+            </a:r>
+            <a:endParaRPr lang="ko-KR" altLang="en-US" dirty="0"/>
+          </a:p>
+        </p:txBody>
+      </p:sp>
+      <p:pic>
+        <p:nvPicPr>
+          <p:cNvPr id="3" name="그림 2"/>
+          <p:cNvPicPr>
+            <a:picLocks noChangeAspect="1"/>
+          </p:cNvPicPr>
+          <p:nvPr/>
+        </p:nvPicPr>
+        <p:blipFill>
+          <a:blip r:embed="rId2"/>
+          <a:stretch>
+            <a:fillRect/>
+          </a:stretch>
+        </p:blipFill>
+        <p:spPr>
+          <a:xfrm>
+            <a:off x="677334" y="1470169"/>
+            <a:ext cx="7610000" cy="2503314"/>
+          </a:xfrm>
+          <a:prstGeom prst="rect">
+            <a:avLst/>
+          </a:prstGeom>
+        </p:spPr>
+      </p:pic>
+      <p:pic>
+        <p:nvPicPr>
+          <p:cNvPr id="4" name="그림 3"/>
+          <p:cNvPicPr>
+            <a:picLocks noChangeAspect="1"/>
+          </p:cNvPicPr>
+          <p:nvPr/>
+        </p:nvPicPr>
+        <p:blipFill>
+          <a:blip r:embed="rId3"/>
+          <a:stretch>
+            <a:fillRect/>
+          </a:stretch>
+        </p:blipFill>
+        <p:spPr>
+          <a:xfrm>
+            <a:off x="465513" y="4242089"/>
+            <a:ext cx="6974378" cy="2062265"/>
+          </a:xfrm>
+          <a:prstGeom prst="rect">
+            <a:avLst/>
+          </a:prstGeom>
+        </p:spPr>
+      </p:pic>
+      <p:sp>
+        <p:nvSpPr>
+          <p:cNvPr id="5" name="TextBox 4"/>
+          <p:cNvSpPr txBox="1"/>
+          <p:nvPr/>
+        </p:nvSpPr>
+        <p:spPr>
+          <a:xfrm>
+            <a:off x="3073569" y="1605292"/>
+            <a:ext cx="1408765" cy="553998"/>
+          </a:xfrm>
+          <a:prstGeom prst="rect">
+            <a:avLst/>
+          </a:prstGeom>
+          <a:noFill/>
+        </p:spPr>
+        <p:txBody>
+          <a:bodyPr wrap="square" rtlCol="0">
+            <a:spAutoFit/>
+          </a:bodyPr>
+          <a:lstStyle/>
+          <a:p>
+            <a:r>
+              <a:rPr lang="ko-KR" altLang="en-US" sz="1500" dirty="0" smtClean="0"/>
+              <a:t>처음과 마지막 데이터</a:t>
+            </a:r>
+            <a:endParaRPr lang="ko-KR" altLang="en-US" sz="1500" dirty="0"/>
+          </a:p>
+        </p:txBody>
+      </p:sp>
+      <p:sp>
+        <p:nvSpPr>
+          <p:cNvPr id="6" name="TextBox 5"/>
+          <p:cNvSpPr txBox="1"/>
+          <p:nvPr/>
+        </p:nvSpPr>
+        <p:spPr>
+          <a:xfrm>
+            <a:off x="3566903" y="2294413"/>
+            <a:ext cx="1503861" cy="323165"/>
+          </a:xfrm>
+          <a:prstGeom prst="rect">
+            <a:avLst/>
+          </a:prstGeom>
+          <a:noFill/>
+        </p:spPr>
+        <p:txBody>
+          <a:bodyPr wrap="square" rtlCol="0">
+            <a:spAutoFit/>
+          </a:bodyPr>
+          <a:lstStyle/>
+          <a:p>
+            <a:r>
+              <a:rPr lang="ko-KR" altLang="en-US" sz="1500" dirty="0" smtClean="0"/>
+              <a:t>값들의 정보</a:t>
+            </a:r>
+            <a:endParaRPr lang="ko-KR" altLang="en-US" sz="1500" dirty="0"/>
+          </a:p>
+        </p:txBody>
+      </p:sp>
+    </p:spTree>
+    <p:extLst>
+      <p:ext uri="{BB962C8B-B14F-4D97-AF65-F5344CB8AC3E}">
+        <p14:creationId xmlns:p14="http://schemas.microsoft.com/office/powerpoint/2010/main" val="3891081934"/>
+      </p:ext>
+    </p:extLst>
+  </p:cSld>
+  <p:clrMapOvr>
+    <a:masterClrMapping/>
+  </p:clrMapOvr>
+</p:sld>
+</file>
+
+<file path=ppt/slides/slide12.xml><?xml version="1.0" encoding="utf-8"?>
+<p:sld xmlns:a="http://schemas.openxmlformats.org/drawingml/2006/main" xmlns:r="http://schemas.openxmlformats.org/officeDocument/2006/relationships" xmlns:p="http://schemas.openxmlformats.org/presentationml/2006/main">
+  <p:cSld>
+    <p:spTree>
+      <p:nvGrpSpPr>
+        <p:cNvPr id="1" name=""/>
+        <p:cNvGrpSpPr/>
+        <p:nvPr/>
+      </p:nvGrpSpPr>
+      <p:grpSpPr>
+        <a:xfrm>
+          <a:off x="0" y="0"/>
+          <a:ext cx="0" cy="0"/>
+          <a:chOff x="0" y="0"/>
+          <a:chExt cx="0" cy="0"/>
+        </a:xfrm>
+      </p:grpSpPr>
+      <p:sp>
+        <p:nvSpPr>
+          <p:cNvPr id="2" name="제목 1"/>
+          <p:cNvSpPr>
+            <a:spLocks noGrp="1"/>
+          </p:cNvSpPr>
+          <p:nvPr>
+            <p:ph type="title"/>
+          </p:nvPr>
+        </p:nvSpPr>
+        <p:spPr/>
+        <p:txBody>
+          <a:bodyPr/>
+          <a:lstStyle/>
+          <a:p>
+            <a:r>
+              <a:rPr lang="en-US" altLang="ko-KR" dirty="0" err="1" smtClean="0"/>
+              <a:t>Colab</a:t>
+            </a:r>
+            <a:endParaRPr lang="ko-KR" altLang="en-US" dirty="0"/>
+          </a:p>
+        </p:txBody>
+      </p:sp>
+      <p:pic>
+        <p:nvPicPr>
+          <p:cNvPr id="3" name="그림 2"/>
+          <p:cNvPicPr>
+            <a:picLocks noChangeAspect="1"/>
+          </p:cNvPicPr>
+          <p:nvPr/>
+        </p:nvPicPr>
+        <p:blipFill>
+          <a:blip r:embed="rId2"/>
+          <a:stretch>
+            <a:fillRect/>
+          </a:stretch>
+        </p:blipFill>
+        <p:spPr>
+          <a:xfrm>
+            <a:off x="1267537" y="2085802"/>
+            <a:ext cx="5952865" cy="2577638"/>
+          </a:xfrm>
+          <a:prstGeom prst="rect">
+            <a:avLst/>
+          </a:prstGeom>
+        </p:spPr>
+      </p:pic>
+      <p:sp>
+        <p:nvSpPr>
+          <p:cNvPr id="4" name="TextBox 3"/>
+          <p:cNvSpPr txBox="1"/>
+          <p:nvPr/>
+        </p:nvSpPr>
+        <p:spPr>
+          <a:xfrm>
+            <a:off x="1879419" y="1846519"/>
+            <a:ext cx="1852995" cy="323165"/>
+          </a:xfrm>
+          <a:prstGeom prst="rect">
+            <a:avLst/>
+          </a:prstGeom>
+          <a:noFill/>
+        </p:spPr>
+        <p:txBody>
+          <a:bodyPr wrap="square" rtlCol="0">
+            <a:spAutoFit/>
+          </a:bodyPr>
+          <a:lstStyle/>
+          <a:p>
+            <a:r>
+              <a:rPr lang="ko-KR" altLang="en-US" sz="1500" dirty="0" smtClean="0"/>
+              <a:t>정리 후 </a:t>
+            </a:r>
+            <a:r>
+              <a:rPr lang="en-US" altLang="ko-KR" sz="1500" dirty="0" err="1" smtClean="0"/>
+              <a:t>iot_data</a:t>
+            </a:r>
+            <a:endParaRPr lang="ko-KR" altLang="en-US" sz="1500" dirty="0"/>
+          </a:p>
+        </p:txBody>
+      </p:sp>
+      <p:pic>
+        <p:nvPicPr>
+          <p:cNvPr id="5" name="그림 4"/>
+          <p:cNvPicPr>
+            <a:picLocks noChangeAspect="1"/>
+          </p:cNvPicPr>
+          <p:nvPr/>
+        </p:nvPicPr>
+        <p:blipFill>
+          <a:blip r:embed="rId3"/>
+          <a:stretch>
+            <a:fillRect/>
+          </a:stretch>
+        </p:blipFill>
+        <p:spPr>
+          <a:xfrm>
+            <a:off x="997025" y="4729077"/>
+            <a:ext cx="6223378" cy="1813040"/>
+          </a:xfrm>
+          <a:prstGeom prst="rect">
+            <a:avLst/>
+          </a:prstGeom>
+        </p:spPr>
+      </p:pic>
+      <p:sp>
+        <p:nvSpPr>
+          <p:cNvPr id="6" name="TextBox 5"/>
+          <p:cNvSpPr txBox="1"/>
+          <p:nvPr/>
+        </p:nvSpPr>
+        <p:spPr>
+          <a:xfrm>
+            <a:off x="2255719" y="4663440"/>
+            <a:ext cx="1852995" cy="323165"/>
+          </a:xfrm>
+          <a:prstGeom prst="rect">
+            <a:avLst/>
+          </a:prstGeom>
+          <a:noFill/>
+        </p:spPr>
+        <p:txBody>
+          <a:bodyPr wrap="square" rtlCol="0">
+            <a:spAutoFit/>
+          </a:bodyPr>
+          <a:lstStyle/>
+          <a:p>
+            <a:r>
+              <a:rPr lang="ko-KR" altLang="en-US" sz="1500" dirty="0" smtClean="0"/>
+              <a:t>뒤에서 출력</a:t>
+            </a:r>
+            <a:endParaRPr lang="ko-KR" altLang="en-US" sz="1500" dirty="0"/>
+          </a:p>
+        </p:txBody>
+      </p:sp>
+    </p:spTree>
+    <p:extLst>
+      <p:ext uri="{BB962C8B-B14F-4D97-AF65-F5344CB8AC3E}">
+        <p14:creationId xmlns:p14="http://schemas.microsoft.com/office/powerpoint/2010/main" val="1667258221"/>
+      </p:ext>
+    </p:extLst>
+  </p:cSld>
+  <p:clrMapOvr>
+    <a:masterClrMapping/>
+  </p:clrMapOvr>
+</p:sld>
+</file>
+
+<file path=ppt/slides/slide13.xml><?xml version="1.0" encoding="utf-8"?>
+<p:sld xmlns:a="http://schemas.openxmlformats.org/drawingml/2006/main" xmlns:r="http://schemas.openxmlformats.org/officeDocument/2006/relationships" xmlns:p="http://schemas.openxmlformats.org/presentationml/2006/main">
+  <p:cSld>
+    <p:spTree>
+      <p:nvGrpSpPr>
+        <p:cNvPr id="1" name=""/>
+        <p:cNvGrpSpPr/>
+        <p:nvPr/>
+      </p:nvGrpSpPr>
+      <p:grpSpPr>
+        <a:xfrm>
+          <a:off x="0" y="0"/>
+          <a:ext cx="0" cy="0"/>
+          <a:chOff x="0" y="0"/>
+          <a:chExt cx="0" cy="0"/>
+        </a:xfrm>
+      </p:grpSpPr>
+      <p:sp>
+        <p:nvSpPr>
+          <p:cNvPr id="2" name="제목 1"/>
+          <p:cNvSpPr>
+            <a:spLocks noGrp="1"/>
+          </p:cNvSpPr>
+          <p:nvPr>
+            <p:ph type="title"/>
+          </p:nvPr>
+        </p:nvSpPr>
+        <p:spPr/>
+        <p:txBody>
+          <a:bodyPr/>
+          <a:lstStyle/>
+          <a:p>
+            <a:r>
+              <a:rPr lang="en-US" altLang="ko-KR" dirty="0" err="1" smtClean="0"/>
+              <a:t>Colab</a:t>
+            </a:r>
+            <a:r>
+              <a:rPr lang="en-US" altLang="ko-KR" dirty="0" smtClean="0"/>
+              <a:t>(</a:t>
+            </a:r>
+            <a:r>
+              <a:rPr lang="ko-KR" altLang="en-US" dirty="0" smtClean="0"/>
+              <a:t>그래프</a:t>
+            </a:r>
+            <a:r>
+              <a:rPr lang="en-US" altLang="ko-KR" dirty="0" smtClean="0"/>
+              <a:t>)</a:t>
+            </a:r>
+            <a:endParaRPr lang="ko-KR" altLang="en-US" dirty="0"/>
+          </a:p>
+        </p:txBody>
+      </p:sp>
+      <p:pic>
+        <p:nvPicPr>
+          <p:cNvPr id="3" name="그림 2"/>
+          <p:cNvPicPr>
+            <a:picLocks noChangeAspect="1"/>
+          </p:cNvPicPr>
+          <p:nvPr/>
+        </p:nvPicPr>
+        <p:blipFill>
+          <a:blip r:embed="rId2"/>
+          <a:stretch>
+            <a:fillRect/>
+          </a:stretch>
+        </p:blipFill>
+        <p:spPr>
+          <a:xfrm>
+            <a:off x="1014413" y="1428750"/>
+            <a:ext cx="3923347" cy="1544335"/>
+          </a:xfrm>
+          <a:prstGeom prst="rect">
+            <a:avLst/>
+          </a:prstGeom>
+        </p:spPr>
+      </p:pic>
+      <p:pic>
+        <p:nvPicPr>
+          <p:cNvPr id="4" name="그림 3"/>
+          <p:cNvPicPr>
+            <a:picLocks noChangeAspect="1"/>
+          </p:cNvPicPr>
+          <p:nvPr/>
+        </p:nvPicPr>
+        <p:blipFill>
+          <a:blip r:embed="rId3"/>
+          <a:stretch>
+            <a:fillRect/>
+          </a:stretch>
+        </p:blipFill>
+        <p:spPr>
+          <a:xfrm>
+            <a:off x="1014413" y="3032522"/>
+            <a:ext cx="3923347" cy="1519425"/>
+          </a:xfrm>
+          <a:prstGeom prst="rect">
+            <a:avLst/>
+          </a:prstGeom>
+        </p:spPr>
+      </p:pic>
+      <p:pic>
+        <p:nvPicPr>
+          <p:cNvPr id="5" name="그림 4"/>
+          <p:cNvPicPr>
+            <a:picLocks noChangeAspect="1"/>
+          </p:cNvPicPr>
+          <p:nvPr/>
+        </p:nvPicPr>
+        <p:blipFill>
+          <a:blip r:embed="rId4"/>
+          <a:stretch>
+            <a:fillRect/>
+          </a:stretch>
+        </p:blipFill>
+        <p:spPr>
+          <a:xfrm>
+            <a:off x="1014413" y="4611384"/>
+            <a:ext cx="3923347" cy="1502166"/>
+          </a:xfrm>
+          <a:prstGeom prst="rect">
+            <a:avLst/>
+          </a:prstGeom>
+        </p:spPr>
+      </p:pic>
+      <p:pic>
+        <p:nvPicPr>
+          <p:cNvPr id="6" name="그림 5"/>
+          <p:cNvPicPr>
+            <a:picLocks noChangeAspect="1"/>
+          </p:cNvPicPr>
+          <p:nvPr/>
+        </p:nvPicPr>
+        <p:blipFill>
+          <a:blip r:embed="rId5"/>
+          <a:stretch>
+            <a:fillRect/>
+          </a:stretch>
+        </p:blipFill>
+        <p:spPr>
+          <a:xfrm>
+            <a:off x="4937760" y="1428749"/>
+            <a:ext cx="4441196" cy="1738399"/>
+          </a:xfrm>
+          <a:prstGeom prst="rect">
+            <a:avLst/>
+          </a:prstGeom>
+        </p:spPr>
+      </p:pic>
+      <p:sp>
+        <p:nvSpPr>
+          <p:cNvPr id="7" name="TextBox 6"/>
+          <p:cNvSpPr txBox="1"/>
+          <p:nvPr/>
+        </p:nvSpPr>
+        <p:spPr>
+          <a:xfrm>
+            <a:off x="216130" y="1435839"/>
+            <a:ext cx="1158623" cy="553998"/>
+          </a:xfrm>
+          <a:prstGeom prst="rect">
+            <a:avLst/>
+          </a:prstGeom>
+          <a:noFill/>
+        </p:spPr>
+        <p:txBody>
+          <a:bodyPr wrap="square" rtlCol="0">
+            <a:spAutoFit/>
+          </a:bodyPr>
+          <a:lstStyle/>
+          <a:p>
+            <a:r>
+              <a:rPr lang="ko-KR" altLang="en-US" sz="1500" dirty="0" smtClean="0"/>
+              <a:t>가속도</a:t>
+            </a:r>
+            <a:endParaRPr lang="en-US" altLang="ko-KR" sz="1500" dirty="0" smtClean="0"/>
+          </a:p>
+          <a:p>
+            <a:r>
+              <a:rPr lang="ko-KR" altLang="en-US" sz="1500" dirty="0" smtClean="0"/>
+              <a:t>센서</a:t>
+            </a:r>
+            <a:endParaRPr lang="ko-KR" altLang="en-US" sz="1500" dirty="0"/>
+          </a:p>
+        </p:txBody>
+      </p:sp>
+      <p:sp>
+        <p:nvSpPr>
+          <p:cNvPr id="8" name="TextBox 7"/>
+          <p:cNvSpPr txBox="1"/>
+          <p:nvPr/>
+        </p:nvSpPr>
+        <p:spPr>
+          <a:xfrm>
+            <a:off x="227815" y="3042682"/>
+            <a:ext cx="1158623" cy="553998"/>
+          </a:xfrm>
+          <a:prstGeom prst="rect">
+            <a:avLst/>
+          </a:prstGeom>
+          <a:noFill/>
+        </p:spPr>
+        <p:txBody>
+          <a:bodyPr wrap="square" rtlCol="0">
+            <a:spAutoFit/>
+          </a:bodyPr>
+          <a:lstStyle/>
+          <a:p>
+            <a:r>
+              <a:rPr lang="ko-KR" altLang="en-US" sz="1500" dirty="0" err="1" smtClean="0"/>
+              <a:t>자이로</a:t>
+            </a:r>
+            <a:endParaRPr lang="en-US" altLang="ko-KR" sz="1500" dirty="0" smtClean="0"/>
+          </a:p>
+          <a:p>
+            <a:r>
+              <a:rPr lang="ko-KR" altLang="en-US" sz="1500" dirty="0" smtClean="0"/>
+              <a:t>센서</a:t>
+            </a:r>
+            <a:endParaRPr lang="ko-KR" altLang="en-US" sz="1500" dirty="0"/>
+          </a:p>
+        </p:txBody>
+      </p:sp>
+      <p:sp>
+        <p:nvSpPr>
+          <p:cNvPr id="9" name="TextBox 8"/>
+          <p:cNvSpPr txBox="1"/>
+          <p:nvPr/>
+        </p:nvSpPr>
+        <p:spPr>
+          <a:xfrm>
+            <a:off x="224443" y="4660249"/>
+            <a:ext cx="1158623" cy="553998"/>
+          </a:xfrm>
+          <a:prstGeom prst="rect">
+            <a:avLst/>
+          </a:prstGeom>
+          <a:noFill/>
+        </p:spPr>
+        <p:txBody>
+          <a:bodyPr wrap="square" rtlCol="0">
+            <a:spAutoFit/>
+          </a:bodyPr>
+          <a:lstStyle/>
+          <a:p>
+            <a:r>
+              <a:rPr lang="ko-KR" altLang="en-US" sz="1500" dirty="0" err="1" smtClean="0"/>
+              <a:t>마그네틱</a:t>
+            </a:r>
+            <a:endParaRPr lang="en-US" altLang="ko-KR" sz="1500" dirty="0" smtClean="0"/>
+          </a:p>
+          <a:p>
+            <a:r>
+              <a:rPr lang="ko-KR" altLang="en-US" sz="1500" dirty="0" smtClean="0"/>
+              <a:t>센서</a:t>
+            </a:r>
+            <a:endParaRPr lang="ko-KR" altLang="en-US" sz="1500" dirty="0"/>
+          </a:p>
+        </p:txBody>
+      </p:sp>
+      <p:sp>
+        <p:nvSpPr>
+          <p:cNvPr id="10" name="TextBox 9"/>
+          <p:cNvSpPr txBox="1"/>
+          <p:nvPr/>
+        </p:nvSpPr>
+        <p:spPr>
+          <a:xfrm>
+            <a:off x="5198226" y="1105583"/>
+            <a:ext cx="1892530" cy="323165"/>
+          </a:xfrm>
+          <a:prstGeom prst="rect">
+            <a:avLst/>
+          </a:prstGeom>
+          <a:noFill/>
+        </p:spPr>
+        <p:txBody>
+          <a:bodyPr wrap="square" rtlCol="0">
+            <a:spAutoFit/>
+          </a:bodyPr>
+          <a:lstStyle/>
+          <a:p>
+            <a:r>
+              <a:rPr lang="en-US" altLang="ko-KR" sz="1500" dirty="0" smtClean="0"/>
+              <a:t>3</a:t>
+            </a:r>
+            <a:r>
+              <a:rPr lang="ko-KR" altLang="en-US" sz="1500" dirty="0" smtClean="0"/>
+              <a:t>개 센서의 </a:t>
+            </a:r>
+            <a:r>
+              <a:rPr lang="ko-KR" altLang="en-US" sz="1500" dirty="0" err="1" smtClean="0"/>
+              <a:t>백터</a:t>
+            </a:r>
+            <a:r>
+              <a:rPr lang="ko-KR" altLang="en-US" sz="1500" dirty="0" smtClean="0"/>
+              <a:t> 값</a:t>
+            </a:r>
+            <a:endParaRPr lang="ko-KR" altLang="en-US" sz="1500" dirty="0"/>
+          </a:p>
+        </p:txBody>
+      </p:sp>
+      <p:pic>
+        <p:nvPicPr>
+          <p:cNvPr id="11" name="그림 10"/>
+          <p:cNvPicPr>
+            <a:picLocks noChangeAspect="1"/>
+          </p:cNvPicPr>
+          <p:nvPr/>
+        </p:nvPicPr>
+        <p:blipFill>
+          <a:blip r:embed="rId6"/>
+          <a:stretch>
+            <a:fillRect/>
+          </a:stretch>
+        </p:blipFill>
+        <p:spPr>
+          <a:xfrm>
+            <a:off x="5323193" y="3596680"/>
+            <a:ext cx="4055763" cy="2516870"/>
+          </a:xfrm>
+          <a:prstGeom prst="rect">
+            <a:avLst/>
+          </a:prstGeom>
+        </p:spPr>
+      </p:pic>
+      <p:sp>
+        <p:nvSpPr>
+          <p:cNvPr id="12" name="TextBox 11"/>
+          <p:cNvSpPr txBox="1"/>
+          <p:nvPr/>
+        </p:nvSpPr>
+        <p:spPr>
+          <a:xfrm>
+            <a:off x="5323192" y="3220331"/>
+            <a:ext cx="2673651" cy="323165"/>
+          </a:xfrm>
+          <a:prstGeom prst="rect">
+            <a:avLst/>
+          </a:prstGeom>
+          <a:noFill/>
+        </p:spPr>
+        <p:txBody>
+          <a:bodyPr wrap="square" rtlCol="0">
+            <a:spAutoFit/>
+          </a:bodyPr>
+          <a:lstStyle/>
+          <a:p>
+            <a:r>
+              <a:rPr lang="en-US" altLang="ko-KR" sz="1500" dirty="0" smtClean="0"/>
+              <a:t>3</a:t>
+            </a:r>
+            <a:r>
+              <a:rPr lang="ko-KR" altLang="en-US" sz="1500" dirty="0" smtClean="0"/>
+              <a:t>개 센서의 </a:t>
+            </a:r>
+            <a:r>
+              <a:rPr lang="ko-KR" altLang="en-US" sz="1500" dirty="0" err="1" smtClean="0"/>
+              <a:t>백터</a:t>
+            </a:r>
+            <a:r>
+              <a:rPr lang="ko-KR" altLang="en-US" sz="1500" dirty="0" smtClean="0"/>
+              <a:t> 값의 평균</a:t>
+            </a:r>
+            <a:endParaRPr lang="ko-KR" altLang="en-US" sz="1500" dirty="0"/>
+          </a:p>
+        </p:txBody>
+      </p:sp>
+    </p:spTree>
+    <p:extLst>
+      <p:ext uri="{BB962C8B-B14F-4D97-AF65-F5344CB8AC3E}">
+        <p14:creationId xmlns:p14="http://schemas.microsoft.com/office/powerpoint/2010/main" val="336115762"/>
       </p:ext>
     </p:extLst>
   </p:cSld>
@@ -5951,77 +6915,9 @@
           <a:lstStyle/>
           <a:p>
             <a:r>
-              <a:rPr lang="ko-KR" altLang="en-US" dirty="0" smtClean="0"/>
-              <a:t>목차</a:t>
-            </a:r>
-            <a:endParaRPr lang="ko-KR" altLang="en-US" dirty="0"/>
-          </a:p>
-        </p:txBody>
-      </p:sp>
-      <p:sp>
-        <p:nvSpPr>
-          <p:cNvPr id="3" name="내용 개체 틀 2"/>
-          <p:cNvSpPr>
-            <a:spLocks noGrp="1"/>
-          </p:cNvSpPr>
-          <p:nvPr>
-            <p:ph idx="1"/>
-          </p:nvPr>
-        </p:nvSpPr>
-        <p:spPr/>
-        <p:txBody>
-          <a:bodyPr/>
-          <a:lstStyle/>
-          <a:p>
-            <a:endParaRPr lang="ko-KR" altLang="en-US"/>
-          </a:p>
-        </p:txBody>
-      </p:sp>
-    </p:spTree>
-    <p:extLst>
-      <p:ext uri="{BB962C8B-B14F-4D97-AF65-F5344CB8AC3E}">
-        <p14:creationId xmlns:p14="http://schemas.microsoft.com/office/powerpoint/2010/main" val="140366293"/>
-      </p:ext>
-    </p:extLst>
-  </p:cSld>
-  <p:clrMapOvr>
-    <a:masterClrMapping/>
-  </p:clrMapOvr>
-</p:sld>
-</file>
-
-<file path=ppt/slides/slide3.xml><?xml version="1.0" encoding="utf-8"?>
-<p:sld xmlns:a="http://schemas.openxmlformats.org/drawingml/2006/main" xmlns:r="http://schemas.openxmlformats.org/officeDocument/2006/relationships" xmlns:p="http://schemas.openxmlformats.org/presentationml/2006/main">
-  <p:cSld>
-    <p:spTree>
-      <p:nvGrpSpPr>
-        <p:cNvPr id="1" name=""/>
-        <p:cNvGrpSpPr/>
-        <p:nvPr/>
-      </p:nvGrpSpPr>
-      <p:grpSpPr>
-        <a:xfrm>
-          <a:off x="0" y="0"/>
-          <a:ext cx="0" cy="0"/>
-          <a:chOff x="0" y="0"/>
-          <a:chExt cx="0" cy="0"/>
-        </a:xfrm>
-      </p:grpSpPr>
-      <p:sp>
-        <p:nvSpPr>
-          <p:cNvPr id="2" name="제목 1"/>
-          <p:cNvSpPr>
-            <a:spLocks noGrp="1"/>
-          </p:cNvSpPr>
-          <p:nvPr>
-            <p:ph type="title"/>
-          </p:nvPr>
-        </p:nvSpPr>
-        <p:spPr/>
-        <p:txBody>
-          <a:bodyPr/>
-          <a:lstStyle/>
-          <a:p>
+              <a:rPr lang="en-US" altLang="ko-KR" dirty="0" smtClean="0"/>
+              <a:t>Nano33 BLE</a:t>
+            </a:r>
             <a:endParaRPr lang="ko-KR" altLang="en-US" dirty="0"/>
           </a:p>
         </p:txBody>
@@ -6146,7 +7042,7 @@
 </p:sld>
 </file>
 
-<file path=ppt/slides/slide4.xml><?xml version="1.0" encoding="utf-8"?>
+<file path=ppt/slides/slide3.xml><?xml version="1.0" encoding="utf-8"?>
 <p:sld xmlns:a="http://schemas.openxmlformats.org/drawingml/2006/main" xmlns:r="http://schemas.openxmlformats.org/officeDocument/2006/relationships" xmlns:p="http://schemas.openxmlformats.org/presentationml/2006/main">
   <p:cSld>
     <p:spTree>
@@ -6402,6 +7298,479 @@
     <p:extLst>
       <p:ext uri="{BB962C8B-B14F-4D97-AF65-F5344CB8AC3E}">
         <p14:creationId xmlns:p14="http://schemas.microsoft.com/office/powerpoint/2010/main" val="3597936251"/>
+      </p:ext>
+    </p:extLst>
+  </p:cSld>
+  <p:clrMapOvr>
+    <a:masterClrMapping/>
+  </p:clrMapOvr>
+</p:sld>
+</file>
+
+<file path=ppt/slides/slide4.xml><?xml version="1.0" encoding="utf-8"?>
+<p:sld xmlns:a="http://schemas.openxmlformats.org/drawingml/2006/main" xmlns:r="http://schemas.openxmlformats.org/officeDocument/2006/relationships" xmlns:p="http://schemas.openxmlformats.org/presentationml/2006/main">
+  <p:cSld>
+    <p:spTree>
+      <p:nvGrpSpPr>
+        <p:cNvPr id="1" name=""/>
+        <p:cNvGrpSpPr/>
+        <p:nvPr/>
+      </p:nvGrpSpPr>
+      <p:grpSpPr>
+        <a:xfrm>
+          <a:off x="0" y="0"/>
+          <a:ext cx="0" cy="0"/>
+          <a:chOff x="0" y="0"/>
+          <a:chExt cx="0" cy="0"/>
+        </a:xfrm>
+      </p:grpSpPr>
+      <p:sp>
+        <p:nvSpPr>
+          <p:cNvPr id="2" name="제목 1"/>
+          <p:cNvSpPr>
+            <a:spLocks noGrp="1"/>
+          </p:cNvSpPr>
+          <p:nvPr>
+            <p:ph type="title"/>
+          </p:nvPr>
+        </p:nvSpPr>
+        <p:spPr/>
+        <p:txBody>
+          <a:bodyPr/>
+          <a:lstStyle/>
+          <a:p>
+            <a:r>
+              <a:rPr lang="en-US" altLang="ko-KR" dirty="0"/>
+              <a:t>n</a:t>
+            </a:r>
+            <a:r>
+              <a:rPr lang="en-US" altLang="ko-KR" dirty="0" smtClean="0"/>
+              <a:t>ano.js</a:t>
+            </a:r>
+            <a:endParaRPr lang="ko-KR" altLang="en-US" dirty="0"/>
+          </a:p>
+        </p:txBody>
+      </p:sp>
+      <p:sp>
+        <p:nvSpPr>
+          <p:cNvPr id="3" name="Rectangle 4"/>
+          <p:cNvSpPr>
+            <a:spLocks noChangeArrowheads="1"/>
+          </p:cNvSpPr>
+          <p:nvPr/>
+        </p:nvSpPr>
+        <p:spPr bwMode="auto">
+          <a:xfrm>
+            <a:off x="1614196" y="-326571"/>
+            <a:ext cx="12192000" cy="457200"/>
+          </a:xfrm>
+          <a:prstGeom prst="rect">
+            <a:avLst/>
+          </a:prstGeom>
+          <a:noFill/>
+          <a:ln>
+            <a:noFill/>
+          </a:ln>
+          <a:effectLst/>
+          <a:extLst>
+            <a:ext uri="{909E8E84-426E-40DD-AFC4-6F175D3DCCD1}">
+              <a14:hiddenFill xmlns:a14="http://schemas.microsoft.com/office/drawing/2010/main">
+                <a:solidFill>
+                  <a:schemeClr val="accent1"/>
+                </a:solidFill>
+              </a14:hiddenFill>
+            </a:ext>
+            <a:ext uri="{91240B29-F687-4F45-9708-019B960494DF}">
+              <a14:hiddenLine xmlns:a14="http://schemas.microsoft.com/office/drawing/2010/main" w="9525">
+                <a:solidFill>
+                  <a:schemeClr val="tx1"/>
+                </a:solidFill>
+                <a:miter lim="800000"/>
+                <a:headEnd/>
+                <a:tailEnd/>
+              </a14:hiddenLine>
+            </a:ext>
+            <a:ext uri="{AF507438-7753-43E0-B8FC-AC1667EBCBE1}">
+              <a14:hiddenEffects xmlns:a14="http://schemas.microsoft.com/office/drawing/2010/main">
+                <a:effectLst>
+                  <a:outerShdw dist="35921" dir="2700000" algn="ctr" rotWithShape="0">
+                    <a:schemeClr val="bg2"/>
+                  </a:outerShdw>
+                </a:effectLst>
+              </a14:hiddenEffects>
+            </a:ext>
+          </a:extLst>
+        </p:spPr>
+        <p:txBody>
+          <a:bodyPr vert="horz" wrap="none" lIns="91440" tIns="45720" rIns="91440" bIns="45720" numCol="1" anchor="ctr" anchorCtr="0" compatLnSpc="1">
+            <a:prstTxWarp prst="textNoShape">
+              <a:avLst/>
+            </a:prstTxWarp>
+            <a:spAutoFit/>
+          </a:bodyPr>
+          <a:lstStyle/>
+          <a:p>
+            <a:endParaRPr lang="ko-KR" altLang="en-US"/>
+          </a:p>
+        </p:txBody>
+      </p:sp>
+      <p:pic>
+        <p:nvPicPr>
+          <p:cNvPr id="3075" name="_x295517760" descr="EMB00005b545a08"/>
+          <p:cNvPicPr>
+            <a:picLocks noChangeAspect="1" noChangeArrowheads="1"/>
+          </p:cNvPicPr>
+          <p:nvPr/>
+        </p:nvPicPr>
+        <p:blipFill>
+          <a:blip r:embed="rId2">
+            <a:extLst>
+              <a:ext uri="{28A0092B-C50C-407E-A947-70E740481C1C}">
+                <a14:useLocalDpi xmlns:a14="http://schemas.microsoft.com/office/drawing/2010/main" val="0"/>
+              </a:ext>
+            </a:extLst>
+          </a:blip>
+          <a:srcRect l="16519" t="6953" r="40158" b="19534"/>
+          <a:stretch>
+            <a:fillRect/>
+          </a:stretch>
+        </p:blipFill>
+        <p:spPr bwMode="auto">
+          <a:xfrm>
+            <a:off x="350762" y="1772816"/>
+            <a:ext cx="3157548" cy="4292082"/>
+          </a:xfrm>
+          <a:prstGeom prst="rect">
+            <a:avLst/>
+          </a:prstGeom>
+          <a:noFill/>
+          <a:extLst>
+            <a:ext uri="{909E8E84-426E-40DD-AFC4-6F175D3DCCD1}">
+              <a14:hiddenFill xmlns:a14="http://schemas.microsoft.com/office/drawing/2010/main">
+                <a:solidFill>
+                  <a:srgbClr val="FFFFFF"/>
+                </a:solidFill>
+              </a14:hiddenFill>
+            </a:ext>
+          </a:extLst>
+        </p:spPr>
+      </p:pic>
+      <p:pic>
+        <p:nvPicPr>
+          <p:cNvPr id="3074" name="_x295516392" descr="EMB00005b545a09"/>
+          <p:cNvPicPr>
+            <a:picLocks noChangeAspect="1" noChangeArrowheads="1"/>
+          </p:cNvPicPr>
+          <p:nvPr/>
+        </p:nvPicPr>
+        <p:blipFill>
+          <a:blip r:embed="rId3">
+            <a:extLst>
+              <a:ext uri="{28A0092B-C50C-407E-A947-70E740481C1C}">
+                <a14:useLocalDpi xmlns:a14="http://schemas.microsoft.com/office/drawing/2010/main" val="0"/>
+              </a:ext>
+            </a:extLst>
+          </a:blip>
+          <a:srcRect l="16850" t="7033" r="39832" b="19456"/>
+          <a:stretch>
+            <a:fillRect/>
+          </a:stretch>
+        </p:blipFill>
+        <p:spPr bwMode="auto">
+          <a:xfrm>
+            <a:off x="3508310" y="1772816"/>
+            <a:ext cx="3293706" cy="4292081"/>
+          </a:xfrm>
+          <a:prstGeom prst="rect">
+            <a:avLst/>
+          </a:prstGeom>
+          <a:noFill/>
+          <a:extLst>
+            <a:ext uri="{909E8E84-426E-40DD-AFC4-6F175D3DCCD1}">
+              <a14:hiddenFill xmlns:a14="http://schemas.microsoft.com/office/drawing/2010/main">
+                <a:solidFill>
+                  <a:srgbClr val="FFFFFF"/>
+                </a:solidFill>
+              </a14:hiddenFill>
+            </a:ext>
+          </a:extLst>
+        </p:spPr>
+      </p:pic>
+      <p:pic>
+        <p:nvPicPr>
+          <p:cNvPr id="3073" name="_x295509408" descr="EMB00005b545a0a"/>
+          <p:cNvPicPr>
+            <a:picLocks noChangeAspect="1" noChangeArrowheads="1"/>
+          </p:cNvPicPr>
+          <p:nvPr/>
+        </p:nvPicPr>
+        <p:blipFill>
+          <a:blip r:embed="rId4">
+            <a:extLst>
+              <a:ext uri="{28A0092B-C50C-407E-A947-70E740481C1C}">
+                <a14:useLocalDpi xmlns:a14="http://schemas.microsoft.com/office/drawing/2010/main" val="0"/>
+              </a:ext>
+            </a:extLst>
+          </a:blip>
+          <a:srcRect l="16457" t="8405" r="29822" b="19846"/>
+          <a:stretch>
+            <a:fillRect/>
+          </a:stretch>
+        </p:blipFill>
+        <p:spPr bwMode="auto">
+          <a:xfrm>
+            <a:off x="6802017" y="1772815"/>
+            <a:ext cx="3157548" cy="4292081"/>
+          </a:xfrm>
+          <a:prstGeom prst="rect">
+            <a:avLst/>
+          </a:prstGeom>
+          <a:noFill/>
+          <a:extLst>
+            <a:ext uri="{909E8E84-426E-40DD-AFC4-6F175D3DCCD1}">
+              <a14:hiddenFill xmlns:a14="http://schemas.microsoft.com/office/drawing/2010/main">
+                <a:solidFill>
+                  <a:srgbClr val="FFFFFF"/>
+                </a:solidFill>
+              </a14:hiddenFill>
+            </a:ext>
+          </a:extLst>
+        </p:spPr>
+      </p:pic>
+      <p:sp>
+        <p:nvSpPr>
+          <p:cNvPr id="7" name="타원 6"/>
+          <p:cNvSpPr/>
+          <p:nvPr/>
+        </p:nvSpPr>
+        <p:spPr>
+          <a:xfrm>
+            <a:off x="139959" y="4273420"/>
+            <a:ext cx="2341983" cy="1278294"/>
+          </a:xfrm>
+          <a:prstGeom prst="ellipse">
+            <a:avLst/>
+          </a:prstGeom>
+          <a:noFill/>
+          <a:ln>
+            <a:solidFill>
+              <a:srgbClr val="C00000"/>
+            </a:solidFill>
+          </a:ln>
+        </p:spPr>
+        <p:style>
+          <a:lnRef idx="2">
+            <a:schemeClr val="dk1"/>
+          </a:lnRef>
+          <a:fillRef idx="1">
+            <a:schemeClr val="lt1"/>
+          </a:fillRef>
+          <a:effectRef idx="0">
+            <a:schemeClr val="dk1"/>
+          </a:effectRef>
+          <a:fontRef idx="minor">
+            <a:schemeClr val="dk1"/>
+          </a:fontRef>
+        </p:style>
+        <p:txBody>
+          <a:bodyPr rtlCol="0" anchor="ctr"/>
+          <a:lstStyle/>
+          <a:p>
+            <a:pPr algn="ctr"/>
+            <a:endParaRPr lang="ko-KR" altLang="en-US"/>
+          </a:p>
+        </p:txBody>
+      </p:sp>
+      <p:sp>
+        <p:nvSpPr>
+          <p:cNvPr id="8" name="타원 7"/>
+          <p:cNvSpPr/>
+          <p:nvPr/>
+        </p:nvSpPr>
+        <p:spPr>
+          <a:xfrm>
+            <a:off x="3272281" y="4705738"/>
+            <a:ext cx="2341983" cy="1278294"/>
+          </a:xfrm>
+          <a:prstGeom prst="ellipse">
+            <a:avLst/>
+          </a:prstGeom>
+          <a:noFill/>
+          <a:ln>
+            <a:solidFill>
+              <a:srgbClr val="C00000"/>
+            </a:solidFill>
+          </a:ln>
+        </p:spPr>
+        <p:style>
+          <a:lnRef idx="2">
+            <a:schemeClr val="dk1"/>
+          </a:lnRef>
+          <a:fillRef idx="1">
+            <a:schemeClr val="lt1"/>
+          </a:fillRef>
+          <a:effectRef idx="0">
+            <a:schemeClr val="dk1"/>
+          </a:effectRef>
+          <a:fontRef idx="minor">
+            <a:schemeClr val="dk1"/>
+          </a:fontRef>
+        </p:style>
+        <p:txBody>
+          <a:bodyPr rtlCol="0" anchor="ctr"/>
+          <a:lstStyle/>
+          <a:p>
+            <a:pPr algn="ctr"/>
+            <a:endParaRPr lang="ko-KR" altLang="en-US"/>
+          </a:p>
+        </p:txBody>
+      </p:sp>
+      <p:sp>
+        <p:nvSpPr>
+          <p:cNvPr id="9" name="타원 8"/>
+          <p:cNvSpPr/>
+          <p:nvPr/>
+        </p:nvSpPr>
+        <p:spPr>
+          <a:xfrm>
+            <a:off x="6787155" y="3279708"/>
+            <a:ext cx="2341983" cy="1278294"/>
+          </a:xfrm>
+          <a:prstGeom prst="ellipse">
+            <a:avLst/>
+          </a:prstGeom>
+          <a:noFill/>
+          <a:ln>
+            <a:solidFill>
+              <a:srgbClr val="C00000"/>
+            </a:solidFill>
+          </a:ln>
+        </p:spPr>
+        <p:style>
+          <a:lnRef idx="2">
+            <a:schemeClr val="dk1"/>
+          </a:lnRef>
+          <a:fillRef idx="1">
+            <a:schemeClr val="lt1"/>
+          </a:fillRef>
+          <a:effectRef idx="0">
+            <a:schemeClr val="dk1"/>
+          </a:effectRef>
+          <a:fontRef idx="minor">
+            <a:schemeClr val="dk1"/>
+          </a:fontRef>
+        </p:style>
+        <p:txBody>
+          <a:bodyPr rtlCol="0" anchor="ctr"/>
+          <a:lstStyle/>
+          <a:p>
+            <a:pPr algn="ctr"/>
+            <a:endParaRPr lang="ko-KR" altLang="en-US"/>
+          </a:p>
+        </p:txBody>
+      </p:sp>
+      <p:sp>
+        <p:nvSpPr>
+          <p:cNvPr id="4" name="TextBox 3"/>
+          <p:cNvSpPr txBox="1"/>
+          <p:nvPr/>
+        </p:nvSpPr>
+        <p:spPr>
+          <a:xfrm>
+            <a:off x="6802016" y="1403481"/>
+            <a:ext cx="1427583" cy="369332"/>
+          </a:xfrm>
+          <a:prstGeom prst="rect">
+            <a:avLst/>
+          </a:prstGeom>
+          <a:noFill/>
+        </p:spPr>
+        <p:txBody>
+          <a:bodyPr wrap="square" rtlCol="0">
+            <a:spAutoFit/>
+          </a:bodyPr>
+          <a:lstStyle/>
+          <a:p>
+            <a:r>
+              <a:rPr lang="ko-KR" altLang="en-US" smtClean="0"/>
+              <a:t>센서값</a:t>
+            </a:r>
+            <a:r>
+              <a:rPr lang="ko-KR" altLang="en-US" dirty="0" smtClean="0"/>
+              <a:t> 출력</a:t>
+            </a:r>
+            <a:endParaRPr lang="ko-KR" altLang="en-US" dirty="0"/>
+          </a:p>
+        </p:txBody>
+      </p:sp>
+      <p:sp>
+        <p:nvSpPr>
+          <p:cNvPr id="11" name="TextBox 10"/>
+          <p:cNvSpPr txBox="1"/>
+          <p:nvPr/>
+        </p:nvSpPr>
+        <p:spPr>
+          <a:xfrm>
+            <a:off x="350761" y="1421105"/>
+            <a:ext cx="1427583" cy="369332"/>
+          </a:xfrm>
+          <a:prstGeom prst="rect">
+            <a:avLst/>
+          </a:prstGeom>
+          <a:noFill/>
+        </p:spPr>
+        <p:txBody>
+          <a:bodyPr wrap="square" rtlCol="0">
+            <a:spAutoFit/>
+          </a:bodyPr>
+          <a:lstStyle/>
+          <a:p>
+            <a:r>
+              <a:rPr lang="ko-KR" altLang="en-US" dirty="0" smtClean="0"/>
+              <a:t>값 받아오기</a:t>
+            </a:r>
+            <a:endParaRPr lang="ko-KR" altLang="en-US" dirty="0"/>
+          </a:p>
+        </p:txBody>
+      </p:sp>
+      <p:sp>
+        <p:nvSpPr>
+          <p:cNvPr id="13" name="TextBox 12"/>
+          <p:cNvSpPr txBox="1"/>
+          <p:nvPr/>
+        </p:nvSpPr>
+        <p:spPr>
+          <a:xfrm>
+            <a:off x="3508310" y="1394281"/>
+            <a:ext cx="1427583" cy="369332"/>
+          </a:xfrm>
+          <a:prstGeom prst="rect">
+            <a:avLst/>
+          </a:prstGeom>
+          <a:noFill/>
+        </p:spPr>
+        <p:txBody>
+          <a:bodyPr wrap="square" rtlCol="0">
+            <a:spAutoFit/>
+          </a:bodyPr>
+          <a:lstStyle/>
+          <a:p>
+            <a:r>
+              <a:rPr lang="ko-KR" altLang="en-US" smtClean="0"/>
+              <a:t>센서값</a:t>
+            </a:r>
+            <a:r>
+              <a:rPr lang="ko-KR" altLang="en-US" dirty="0" smtClean="0"/>
+              <a:t> 출력</a:t>
+            </a:r>
+            <a:endParaRPr lang="ko-KR" altLang="en-US" dirty="0"/>
+          </a:p>
+        </p:txBody>
+      </p:sp>
+    </p:spTree>
+    <p:extLst>
+      <p:ext uri="{BB962C8B-B14F-4D97-AF65-F5344CB8AC3E}">
+        <p14:creationId xmlns:p14="http://schemas.microsoft.com/office/powerpoint/2010/main" val="1722366900"/>
       </p:ext>
     </p:extLst>
   </p:cSld>
@@ -6444,12 +7813,8 @@
           <a:lstStyle/>
           <a:p>
             <a:r>
-              <a:rPr lang="en-US" altLang="ko-KR" dirty="0"/>
-              <a:t>n</a:t>
-            </a:r>
-            <a:r>
               <a:rPr lang="en-US" altLang="ko-KR" dirty="0" smtClean="0"/>
-              <a:t>ano.js</a:t>
+              <a:t>expressnano.js</a:t>
             </a:r>
             <a:endParaRPr lang="ko-KR" altLang="en-US" dirty="0"/>
           </a:p>
@@ -6518,9 +7883,72 @@
           </a:p>
         </p:txBody>
       </p:sp>
+      <p:sp>
+        <p:nvSpPr>
+          <p:cNvPr id="4" name="Rectangle 2"/>
+          <p:cNvSpPr>
+            <a:spLocks noChangeArrowheads="1"/>
+          </p:cNvSpPr>
+          <p:nvPr/>
+        </p:nvSpPr>
+        <p:spPr bwMode="auto">
+          <a:xfrm>
+            <a:off x="195942" y="1930400"/>
+            <a:ext cx="39915828" cy="457200"/>
+          </a:xfrm>
+          <a:prstGeom prst="rect">
+            <a:avLst/>
+          </a:prstGeom>
+          <a:noFill/>
+          <a:ln>
+            <a:noFill/>
+          </a:ln>
+          <a:effectLst/>
+          <a:extLst>
+            <a:ext uri="{909E8E84-426E-40DD-AFC4-6F175D3DCCD1}">
+              <a14:hiddenFill xmlns:a14="http://schemas.microsoft.com/office/drawing/2010/main">
+                <a:solidFill>
+                  <a:schemeClr val="accent1"/>
+                </a:solidFill>
+              </a14:hiddenFill>
+            </a:ext>
+            <a:ext uri="{91240B29-F687-4F45-9708-019B960494DF}">
+              <a14:hiddenLine xmlns:a14="http://schemas.microsoft.com/office/drawing/2010/main" w="9525">
+                <a:solidFill>
+                  <a:schemeClr val="tx1"/>
+                </a:solidFill>
+                <a:miter lim="800000"/>
+                <a:headEnd/>
+                <a:tailEnd/>
+              </a14:hiddenLine>
+            </a:ext>
+            <a:ext uri="{AF507438-7753-43E0-B8FC-AC1667EBCBE1}">
+              <a14:hiddenEffects xmlns:a14="http://schemas.microsoft.com/office/drawing/2010/main">
+                <a:effectLst>
+                  <a:outerShdw dist="35921" dir="2700000" algn="ctr" rotWithShape="0">
+                    <a:schemeClr val="bg2"/>
+                  </a:outerShdw>
+                </a:effectLst>
+              </a14:hiddenEffects>
+            </a:ext>
+          </a:extLst>
+        </p:spPr>
+        <p:txBody>
+          <a:bodyPr vert="horz" wrap="square" lIns="91440" tIns="45720" rIns="91440" bIns="45720" numCol="1" anchor="ctr" anchorCtr="0" compatLnSpc="1">
+            <a:prstTxWarp prst="textNoShape">
+              <a:avLst/>
+            </a:prstTxWarp>
+            <a:spAutoFit/>
+          </a:bodyPr>
+          <a:lstStyle/>
+          <a:p>
+            <a:endParaRPr lang="ko-KR" altLang="en-US"/>
+          </a:p>
+        </p:txBody>
+      </p:sp>
       <p:pic>
         <p:nvPicPr>
-          <p:cNvPr id="3075" name="_x295517760" descr="EMB00005b545a08"/>
+          <p:cNvPr id="4097" name="_x127901904" descr="EMB00005b545a0b"/>
           <p:cNvPicPr>
             <a:picLocks noChangeAspect="1" noChangeArrowheads="1"/>
           </p:cNvPicPr>
@@ -6534,15 +7962,15 @@
               </a:ext>
             </a:extLst>
           </a:blip>
-          <a:srcRect l="16519" t="6953" r="40158" b="19534"/>
+          <a:srcRect l="17566" t="6761" r="50604" b="19928"/>
           <a:stretch>
             <a:fillRect/>
           </a:stretch>
         </p:blipFill>
         <p:spPr bwMode="auto">
           <a:xfrm>
-            <a:off x="350762" y="1772816"/>
-            <a:ext cx="3157548" cy="4292082"/>
+            <a:off x="1145267" y="2592387"/>
+            <a:ext cx="5628757" cy="4004356"/>
           </a:xfrm>
           <a:prstGeom prst="rect">
             <a:avLst/>
@@ -6559,97 +7987,15 @@
           </a:extLst>
         </p:spPr>
       </p:pic>
-      <p:pic>
-        <p:nvPicPr>
-          <p:cNvPr id="3074" name="_x295516392" descr="EMB00005b545a09"/>
-          <p:cNvPicPr>
-            <a:picLocks noChangeAspect="1" noChangeArrowheads="1"/>
-          </p:cNvPicPr>
-          <p:nvPr/>
-        </p:nvPicPr>
-        <p:blipFill>
-          <a:blip r:embed="rId3">
-            <a:extLst>
-              <a:ext uri="{28A0092B-C50C-407E-A947-70E740481C1C}">
-                <a14:useLocalDpi xmlns:a14="http://schemas.microsoft.com/office/drawing/2010/main" val="0"/>
-              </a:ext>
-            </a:extLst>
-          </a:blip>
-          <a:srcRect l="16850" t="7033" r="39832" b="19456"/>
-          <a:stretch>
-            <a:fillRect/>
-          </a:stretch>
-        </p:blipFill>
-        <p:spPr bwMode="auto">
-          <a:xfrm>
-            <a:off x="3508310" y="1772816"/>
-            <a:ext cx="3293706" cy="4292081"/>
-          </a:xfrm>
-          <a:prstGeom prst="rect">
-            <a:avLst/>
-          </a:prstGeom>
-          <a:noFill/>
-          <a:extLst>
-            <a:ext uri="{909E8E84-426E-40DD-AFC4-6F175D3DCCD1}">
-              <a14:hiddenFill xmlns:a14="http://schemas.microsoft.com/office/drawing/2010/main">
-                <a:solidFill>
-                  <a:srgbClr val="FFFFFF"/>
-                </a:solidFill>
-              </a14:hiddenFill>
-            </a:ext>
-          </a:extLst>
-        </p:spPr>
-      </p:pic>
-      <p:pic>
-        <p:nvPicPr>
-          <p:cNvPr id="3073" name="_x295509408" descr="EMB00005b545a0a"/>
-          <p:cNvPicPr>
-            <a:picLocks noChangeAspect="1" noChangeArrowheads="1"/>
-          </p:cNvPicPr>
-          <p:nvPr/>
-        </p:nvPicPr>
-        <p:blipFill>
-          <a:blip r:embed="rId4">
-            <a:extLst>
-              <a:ext uri="{28A0092B-C50C-407E-A947-70E740481C1C}">
-                <a14:useLocalDpi xmlns:a14="http://schemas.microsoft.com/office/drawing/2010/main" val="0"/>
-              </a:ext>
-            </a:extLst>
-          </a:blip>
-          <a:srcRect l="16457" t="8405" r="29822" b="19846"/>
-          <a:stretch>
-            <a:fillRect/>
-          </a:stretch>
-        </p:blipFill>
-        <p:spPr bwMode="auto">
-          <a:xfrm>
-            <a:off x="6802017" y="1772815"/>
-            <a:ext cx="3157548" cy="4292081"/>
-          </a:xfrm>
-          <a:prstGeom prst="rect">
-            <a:avLst/>
-          </a:prstGeom>
-          <a:noFill/>
-          <a:extLst>
-            <a:ext uri="{909E8E84-426E-40DD-AFC4-6F175D3DCCD1}">
-              <a14:hiddenFill xmlns:a14="http://schemas.microsoft.com/office/drawing/2010/main">
-                <a:solidFill>
-                  <a:srgbClr val="FFFFFF"/>
-                </a:solidFill>
-              </a14:hiddenFill>
-            </a:ext>
-          </a:extLst>
-        </p:spPr>
-      </p:pic>
-      <p:sp>
-        <p:nvSpPr>
-          <p:cNvPr id="7" name="타원 6"/>
+      <p:sp>
+        <p:nvSpPr>
+          <p:cNvPr id="5" name="타원 4"/>
           <p:cNvSpPr/>
           <p:nvPr/>
         </p:nvSpPr>
         <p:spPr>
           <a:xfrm>
-            <a:off x="139959" y="4273420"/>
+            <a:off x="1455576" y="3825551"/>
             <a:ext cx="2341983" cy="1278294"/>
           </a:xfrm>
           <a:prstGeom prst="ellipse">
@@ -6687,102 +8033,14 @@
       </p:sp>
       <p:sp>
         <p:nvSpPr>
-          <p:cNvPr id="8" name="타원 7"/>
-          <p:cNvSpPr/>
-          <p:nvPr/>
-        </p:nvSpPr>
-        <p:spPr>
-          <a:xfrm>
-            <a:off x="3272281" y="4705738"/>
-            <a:ext cx="2341983" cy="1278294"/>
-          </a:xfrm>
-          <a:prstGeom prst="ellipse">
-            <a:avLst/>
-          </a:prstGeom>
-          <a:noFill/>
-          <a:ln>
-            <a:solidFill>
-              <a:srgbClr val="C00000"/>
-            </a:solidFill>
-          </a:ln>
-        </p:spPr>
-        <p:style>
-          <a:lnRef idx="2">
-            <a:schemeClr val="dk1"/>
-          </a:lnRef>
-          <a:fillRef idx="1">
-            <a:schemeClr val="lt1"/>
-          </a:fillRef>
-          <a:effectRef idx="0">
-            <a:schemeClr val="dk1"/>
-          </a:effectRef>
-          <a:fontRef idx="minor">
-            <a:schemeClr val="dk1"/>
-          </a:fontRef>
-        </p:style>
-        <p:txBody>
-          <a:bodyPr rtlCol="0" anchor="ctr"/>
-          <a:lstStyle/>
-          <a:p>
-            <a:pPr algn="ctr"/>
-            <a:endParaRPr lang="ko-KR" altLang="en-US"/>
-          </a:p>
-        </p:txBody>
-      </p:sp>
-      <p:sp>
-        <p:nvSpPr>
-          <p:cNvPr id="9" name="타원 8"/>
-          <p:cNvSpPr/>
-          <p:nvPr/>
-        </p:nvSpPr>
-        <p:spPr>
-          <a:xfrm>
-            <a:off x="6787155" y="3279708"/>
-            <a:ext cx="2341983" cy="1278294"/>
-          </a:xfrm>
-          <a:prstGeom prst="ellipse">
-            <a:avLst/>
-          </a:prstGeom>
-          <a:noFill/>
-          <a:ln>
-            <a:solidFill>
-              <a:srgbClr val="C00000"/>
-            </a:solidFill>
-          </a:ln>
-        </p:spPr>
-        <p:style>
-          <a:lnRef idx="2">
-            <a:schemeClr val="dk1"/>
-          </a:lnRef>
-          <a:fillRef idx="1">
-            <a:schemeClr val="lt1"/>
-          </a:fillRef>
-          <a:effectRef idx="0">
-            <a:schemeClr val="dk1"/>
-          </a:effectRef>
-          <a:fontRef idx="minor">
-            <a:schemeClr val="dk1"/>
-          </a:fontRef>
-        </p:style>
-        <p:txBody>
-          <a:bodyPr rtlCol="0" anchor="ctr"/>
-          <a:lstStyle/>
-          <a:p>
-            <a:pPr algn="ctr"/>
-            <a:endParaRPr lang="ko-KR" altLang="en-US"/>
-          </a:p>
-        </p:txBody>
-      </p:sp>
-      <p:sp>
-        <p:nvSpPr>
-          <p:cNvPr id="4" name="TextBox 3"/>
+          <p:cNvPr id="6" name="TextBox 5"/>
           <p:cNvSpPr txBox="1"/>
           <p:nvPr/>
         </p:nvSpPr>
         <p:spPr>
           <a:xfrm>
-            <a:off x="6802016" y="1403481"/>
-            <a:ext cx="1427583" cy="369332"/>
+            <a:off x="195942" y="4002705"/>
+            <a:ext cx="949325" cy="369332"/>
           </a:xfrm>
           <a:prstGeom prst="rect">
             <a:avLst/>
@@ -6797,75 +8055,7 @@
           <a:p>
             <a:r>
               <a:rPr lang="ko-KR" altLang="en-US" smtClean="0"/>
-              <a:t>센서값</a:t>
-            </a:r>
-            <a:r>
-              <a:rPr lang="ko-KR" altLang="en-US" dirty="0" smtClean="0"/>
-              <a:t> 출력</a:t>
-            </a:r>
-            <a:endParaRPr lang="ko-KR" altLang="en-US" dirty="0"/>
-          </a:p>
-        </p:txBody>
-      </p:sp>
-      <p:sp>
-        <p:nvSpPr>
-          <p:cNvPr id="11" name="TextBox 10"/>
-          <p:cNvSpPr txBox="1"/>
-          <p:nvPr/>
-        </p:nvSpPr>
-        <p:spPr>
-          <a:xfrm>
-            <a:off x="350761" y="1421105"/>
-            <a:ext cx="1427583" cy="369332"/>
-          </a:xfrm>
-          <a:prstGeom prst="rect">
-            <a:avLst/>
-          </a:prstGeom>
-          <a:noFill/>
-        </p:spPr>
-        <p:txBody>
-          <a:bodyPr wrap="square" rtlCol="0">
-            <a:spAutoFit/>
-          </a:bodyPr>
-          <a:lstStyle/>
-          <a:p>
-            <a:r>
-              <a:rPr lang="ko-KR" altLang="en-US" dirty="0" smtClean="0"/>
-              <a:t>값 받아오기</a:t>
-            </a:r>
-            <a:endParaRPr lang="ko-KR" altLang="en-US" dirty="0"/>
-          </a:p>
-        </p:txBody>
-      </p:sp>
-      <p:sp>
-        <p:nvSpPr>
-          <p:cNvPr id="13" name="TextBox 12"/>
-          <p:cNvSpPr txBox="1"/>
-          <p:nvPr/>
-        </p:nvSpPr>
-        <p:spPr>
-          <a:xfrm>
-            <a:off x="3508310" y="1394281"/>
-            <a:ext cx="1427583" cy="369332"/>
-          </a:xfrm>
-          <a:prstGeom prst="rect">
-            <a:avLst/>
-          </a:prstGeom>
-          <a:noFill/>
-        </p:spPr>
-        <p:txBody>
-          <a:bodyPr wrap="square" rtlCol="0">
-            <a:spAutoFit/>
-          </a:bodyPr>
-          <a:lstStyle/>
-          <a:p>
-            <a:r>
-              <a:rPr lang="ko-KR" altLang="en-US" smtClean="0"/>
-              <a:t>센서값</a:t>
-            </a:r>
-            <a:r>
-              <a:rPr lang="ko-KR" altLang="en-US" dirty="0" smtClean="0"/>
-              <a:t> 출력</a:t>
+              <a:t>값 받기</a:t>
             </a:r>
             <a:endParaRPr lang="ko-KR" altLang="en-US" dirty="0"/>
           </a:p>
@@ -6874,7 +8064,7 @@
     </p:spTree>
     <p:extLst>
       <p:ext uri="{BB962C8B-B14F-4D97-AF65-F5344CB8AC3E}">
-        <p14:creationId xmlns:p14="http://schemas.microsoft.com/office/powerpoint/2010/main" val="1722366900"/>
+        <p14:creationId xmlns:p14="http://schemas.microsoft.com/office/powerpoint/2010/main" val="3731917253"/>
       </p:ext>
     </p:extLst>
   </p:cSld>
@@ -6918,7 +8108,23 @@
           <a:p>
             <a:r>
               <a:rPr lang="en-US" altLang="ko-KR" dirty="0" smtClean="0"/>
-              <a:t>expressnano.js</a:t>
+              <a:t>Html</a:t>
+            </a:r>
+            <a:r>
+              <a:rPr lang="ko-KR" altLang="en-US" dirty="0" smtClean="0"/>
+              <a:t>파일</a:t>
+            </a:r>
+            <a:r>
+              <a:rPr lang="en-US" altLang="ko-KR" dirty="0" smtClean="0"/>
+              <a:t>(</a:t>
+            </a:r>
+            <a:r>
+              <a:rPr lang="ko-KR" altLang="en-US" dirty="0" smtClean="0"/>
+              <a:t>센서 값</a:t>
+            </a:r>
+            <a:r>
+              <a:rPr lang="en-US" altLang="ko-KR" dirty="0" smtClean="0"/>
+              <a:t>)</a:t>
             </a:r>
             <a:endParaRPr lang="ko-KR" altLang="en-US" dirty="0"/>
           </a:p>
@@ -6926,7 +8132,7 @@
       </p:sp>
       <p:sp>
         <p:nvSpPr>
-          <p:cNvPr id="3" name="Rectangle 4"/>
+          <p:cNvPr id="6" name="Rectangle 4"/>
           <p:cNvSpPr>
             <a:spLocks noChangeArrowheads="1"/>
           </p:cNvSpPr>
@@ -6934,8 +8140,8 @@
         </p:nvSpPr>
         <p:spPr bwMode="auto">
           <a:xfrm>
-            <a:off x="1614196" y="-326571"/>
-            <a:ext cx="12192000" cy="457200"/>
+            <a:off x="-261427" y="1230312"/>
+            <a:ext cx="10688070" cy="443198"/>
           </a:xfrm>
           <a:prstGeom prst="rect">
             <a:avLst/>
@@ -6975,7 +8181,7 @@
           </a:extLst>
         </p:spPr>
         <p:txBody>
-          <a:bodyPr vert="horz" wrap="none" lIns="91440" tIns="45720" rIns="91440" bIns="45720" numCol="1" anchor="ctr" anchorCtr="0" compatLnSpc="1">
+          <a:bodyPr vert="horz" wrap="square" lIns="91440" tIns="45720" rIns="91440" bIns="45720" numCol="1" anchor="ctr" anchorCtr="0" compatLnSpc="1">
             <a:prstTxWarp prst="textNoShape">
               <a:avLst/>
             </a:prstTxWarp>
@@ -6989,7 +8195,7 @@
       </p:sp>
       <p:sp>
         <p:nvSpPr>
-          <p:cNvPr id="4" name="Rectangle 2"/>
+          <p:cNvPr id="7" name="Rectangle 6"/>
           <p:cNvSpPr>
             <a:spLocks noChangeArrowheads="1"/>
           </p:cNvSpPr>
@@ -6997,8 +8203,8 @@
         </p:nvSpPr>
         <p:spPr bwMode="auto">
           <a:xfrm>
-            <a:off x="195942" y="1930400"/>
-            <a:ext cx="39915828" cy="457200"/>
+            <a:off x="-261427" y="773084"/>
+            <a:ext cx="12192000" cy="457200"/>
           </a:xfrm>
           <a:prstGeom prst="rect">
             <a:avLst/>
@@ -7038,7 +8244,7 @@
           </a:extLst>
         </p:spPr>
         <p:txBody>
-          <a:bodyPr vert="horz" wrap="square" lIns="91440" tIns="45720" rIns="91440" bIns="45720" numCol="1" anchor="ctr" anchorCtr="0" compatLnSpc="1">
+          <a:bodyPr vert="horz" wrap="none" lIns="91440" tIns="45720" rIns="91440" bIns="45720" numCol="1" anchor="ctr" anchorCtr="0" compatLnSpc="1">
             <a:prstTxWarp prst="textNoShape">
               <a:avLst/>
             </a:prstTxWarp>
@@ -7052,7 +8258,7 @@
       </p:sp>
       <p:pic>
         <p:nvPicPr>
-          <p:cNvPr id="4097" name="_x127901904" descr="EMB00005b545a0b"/>
+          <p:cNvPr id="1029" name="_x98673288" descr="EMB00000e185a29"/>
           <p:cNvPicPr>
             <a:picLocks noChangeAspect="1" noChangeArrowheads="1"/>
           </p:cNvPicPr>
@@ -7066,15 +8272,15 @@
               </a:ext>
             </a:extLst>
           </a:blip>
-          <a:srcRect l="17566" t="6761" r="50604" b="19928"/>
+          <a:srcRect l="19418" t="11304" r="21486" b="5498"/>
           <a:stretch>
             <a:fillRect/>
           </a:stretch>
         </p:blipFill>
         <p:spPr bwMode="auto">
           <a:xfrm>
-            <a:off x="1145267" y="2592387"/>
-            <a:ext cx="5628757" cy="4004356"/>
+            <a:off x="3092933" y="1739266"/>
+            <a:ext cx="3931322" cy="4669847"/>
           </a:xfrm>
           <a:prstGeom prst="rect">
             <a:avLst/>
@@ -7093,14 +8299,14 @@
       </p:pic>
       <p:sp>
         <p:nvSpPr>
-          <p:cNvPr id="5" name="타원 4"/>
+          <p:cNvPr id="11" name="타원 10"/>
           <p:cNvSpPr/>
           <p:nvPr/>
         </p:nvSpPr>
         <p:spPr>
           <a:xfrm>
-            <a:off x="1455576" y="3825551"/>
-            <a:ext cx="2341983" cy="1278294"/>
+            <a:off x="2985082" y="2105322"/>
+            <a:ext cx="2073512" cy="1278463"/>
           </a:xfrm>
           <a:prstGeom prst="ellipse">
             <a:avLst/>
@@ -7137,14 +8343,14 @@
       </p:sp>
       <p:sp>
         <p:nvSpPr>
-          <p:cNvPr id="6" name="TextBox 5"/>
+          <p:cNvPr id="12" name="TextBox 11"/>
           <p:cNvSpPr txBox="1"/>
           <p:nvPr/>
         </p:nvSpPr>
         <p:spPr>
           <a:xfrm>
-            <a:off x="195942" y="4002705"/>
-            <a:ext cx="949325" cy="369332"/>
+            <a:off x="2052927" y="1765530"/>
+            <a:ext cx="1040006" cy="646331"/>
           </a:xfrm>
           <a:prstGeom prst="rect">
             <a:avLst/>
@@ -7158,8 +8364,12 @@
           <a:lstStyle/>
           <a:p>
             <a:r>
-              <a:rPr lang="ko-KR" altLang="en-US" smtClean="0"/>
-              <a:t>값 받기</a:t>
+              <a:rPr lang="en-US" altLang="ko-KR" dirty="0" smtClean="0"/>
+              <a:t>9</a:t>
+            </a:r>
+            <a:r>
+              <a:rPr lang="ko-KR" altLang="en-US" dirty="0" smtClean="0"/>
+              <a:t>개의 센서 값</a:t>
             </a:r>
             <a:endParaRPr lang="ko-KR" altLang="en-US" dirty="0"/>
           </a:p>
@@ -7168,7 +8378,787 @@
     </p:spTree>
     <p:extLst>
       <p:ext uri="{BB962C8B-B14F-4D97-AF65-F5344CB8AC3E}">
-        <p14:creationId xmlns:p14="http://schemas.microsoft.com/office/powerpoint/2010/main" val="3731917253"/>
+        <p14:creationId xmlns:p14="http://schemas.microsoft.com/office/powerpoint/2010/main" val="2245692299"/>
+      </p:ext>
+    </p:extLst>
+  </p:cSld>
+  <p:clrMapOvr>
+    <a:masterClrMapping/>
+  </p:clrMapOvr>
+</p:sld>
+</file>
+
+<file path=ppt/slides/slide7.xml><?xml version="1.0" encoding="utf-8"?>
+<p:sld xmlns:a="http://schemas.openxmlformats.org/drawingml/2006/main" xmlns:r="http://schemas.openxmlformats.org/officeDocument/2006/relationships" xmlns:p="http://schemas.openxmlformats.org/presentationml/2006/main">
+  <p:cSld>
+    <p:spTree>
+      <p:nvGrpSpPr>
+        <p:cNvPr id="1" name=""/>
+        <p:cNvGrpSpPr/>
+        <p:nvPr/>
+      </p:nvGrpSpPr>
+      <p:grpSpPr>
+        <a:xfrm>
+          <a:off x="0" y="0"/>
+          <a:ext cx="0" cy="0"/>
+          <a:chOff x="0" y="0"/>
+          <a:chExt cx="0" cy="0"/>
+        </a:xfrm>
+      </p:grpSpPr>
+      <p:sp>
+        <p:nvSpPr>
+          <p:cNvPr id="2" name="제목 1"/>
+          <p:cNvSpPr>
+            <a:spLocks noGrp="1"/>
+          </p:cNvSpPr>
+          <p:nvPr>
+            <p:ph type="title"/>
+          </p:nvPr>
+        </p:nvSpPr>
+        <p:spPr/>
+        <p:txBody>
+          <a:bodyPr/>
+          <a:lstStyle/>
+          <a:p>
+            <a:r>
+              <a:rPr lang="en-US" altLang="ko-KR" dirty="0" smtClean="0"/>
+              <a:t>Html</a:t>
+            </a:r>
+            <a:r>
+              <a:rPr lang="ko-KR" altLang="en-US" dirty="0" smtClean="0"/>
+              <a:t>파일</a:t>
+            </a:r>
+            <a:r>
+              <a:rPr lang="en-US" altLang="ko-KR" dirty="0" smtClean="0"/>
+              <a:t>(</a:t>
+            </a:r>
+            <a:r>
+              <a:rPr lang="ko-KR" altLang="en-US" dirty="0" smtClean="0"/>
+              <a:t>그래프</a:t>
+            </a:r>
+            <a:r>
+              <a:rPr lang="en-US" altLang="ko-KR" dirty="0" smtClean="0"/>
+              <a:t>)</a:t>
+            </a:r>
+            <a:endParaRPr lang="ko-KR" altLang="en-US" dirty="0"/>
+          </a:p>
+        </p:txBody>
+      </p:sp>
+      <p:pic>
+        <p:nvPicPr>
+          <p:cNvPr id="3" name="그림 2"/>
+          <p:cNvPicPr>
+            <a:picLocks noChangeAspect="1"/>
+          </p:cNvPicPr>
+          <p:nvPr/>
+        </p:nvPicPr>
+        <p:blipFill>
+          <a:blip r:embed="rId2"/>
+          <a:stretch>
+            <a:fillRect/>
+          </a:stretch>
+        </p:blipFill>
+        <p:spPr>
+          <a:xfrm>
+            <a:off x="378076" y="1324957"/>
+            <a:ext cx="2930390" cy="5084156"/>
+          </a:xfrm>
+          <a:prstGeom prst="rect">
+            <a:avLst/>
+          </a:prstGeom>
+        </p:spPr>
+      </p:pic>
+      <p:pic>
+        <p:nvPicPr>
+          <p:cNvPr id="4" name="그림 3"/>
+          <p:cNvPicPr>
+            <a:picLocks noChangeAspect="1"/>
+          </p:cNvPicPr>
+          <p:nvPr/>
+        </p:nvPicPr>
+        <p:blipFill>
+          <a:blip r:embed="rId3"/>
+          <a:stretch>
+            <a:fillRect/>
+          </a:stretch>
+        </p:blipFill>
+        <p:spPr>
+          <a:xfrm>
+            <a:off x="3503237" y="1324957"/>
+            <a:ext cx="2806123" cy="5084156"/>
+          </a:xfrm>
+          <a:prstGeom prst="rect">
+            <a:avLst/>
+          </a:prstGeom>
+        </p:spPr>
+      </p:pic>
+      <p:pic>
+        <p:nvPicPr>
+          <p:cNvPr id="5" name="그림 4"/>
+          <p:cNvPicPr>
+            <a:picLocks noChangeAspect="1"/>
+          </p:cNvPicPr>
+          <p:nvPr/>
+        </p:nvPicPr>
+        <p:blipFill>
+          <a:blip r:embed="rId4"/>
+          <a:stretch>
+            <a:fillRect/>
+          </a:stretch>
+        </p:blipFill>
+        <p:spPr>
+          <a:xfrm>
+            <a:off x="6568440" y="1324957"/>
+            <a:ext cx="2808317" cy="5084156"/>
+          </a:xfrm>
+          <a:prstGeom prst="rect">
+            <a:avLst/>
+          </a:prstGeom>
+        </p:spPr>
+      </p:pic>
+      <p:sp>
+        <p:nvSpPr>
+          <p:cNvPr id="6" name="TextBox 5"/>
+          <p:cNvSpPr txBox="1"/>
+          <p:nvPr/>
+        </p:nvSpPr>
+        <p:spPr>
+          <a:xfrm>
+            <a:off x="4679748" y="644113"/>
+            <a:ext cx="2843270" cy="646331"/>
+          </a:xfrm>
+          <a:prstGeom prst="rect">
+            <a:avLst/>
+          </a:prstGeom>
+          <a:noFill/>
+        </p:spPr>
+        <p:txBody>
+          <a:bodyPr wrap="square" rtlCol="0">
+            <a:spAutoFit/>
+          </a:bodyPr>
+          <a:lstStyle/>
+          <a:p>
+            <a:r>
+              <a:rPr lang="en-US" altLang="ko-KR" dirty="0" err="1" smtClean="0">
+                <a:solidFill>
+                  <a:srgbClr val="FF0000"/>
+                </a:solidFill>
+              </a:rPr>
+              <a:t>Xaxis</a:t>
+            </a:r>
+            <a:r>
+              <a:rPr lang="ko-KR" altLang="en-US" dirty="0" smtClean="0"/>
+              <a:t>와</a:t>
+            </a:r>
+            <a:r>
+              <a:rPr lang="en-US" altLang="ko-KR" dirty="0" err="1" smtClean="0">
+                <a:solidFill>
+                  <a:srgbClr val="FF0000"/>
+                </a:solidFill>
+              </a:rPr>
+              <a:t>Yaxis</a:t>
+            </a:r>
+            <a:r>
+              <a:rPr lang="ko-KR" altLang="en-US" dirty="0" smtClean="0"/>
+              <a:t>를 이용하여</a:t>
+            </a:r>
+            <a:endParaRPr lang="en-US" altLang="ko-KR" dirty="0" smtClean="0"/>
+          </a:p>
+          <a:p>
+            <a:r>
+              <a:rPr lang="ko-KR" altLang="en-US" dirty="0" smtClean="0"/>
+              <a:t>좌표를 지정</a:t>
+            </a:r>
+            <a:endParaRPr lang="ko-KR" altLang="en-US" dirty="0"/>
+          </a:p>
+        </p:txBody>
+      </p:sp>
+      <p:sp>
+        <p:nvSpPr>
+          <p:cNvPr id="7" name="타원 6"/>
+          <p:cNvSpPr/>
+          <p:nvPr/>
+        </p:nvSpPr>
+        <p:spPr>
+          <a:xfrm>
+            <a:off x="441576" y="1924246"/>
+            <a:ext cx="1187719" cy="721511"/>
+          </a:xfrm>
+          <a:prstGeom prst="ellipse">
+            <a:avLst/>
+          </a:prstGeom>
+          <a:noFill/>
+          <a:ln>
+            <a:solidFill>
+              <a:srgbClr val="C00000"/>
+            </a:solidFill>
+          </a:ln>
+        </p:spPr>
+        <p:style>
+          <a:lnRef idx="2">
+            <a:schemeClr val="dk1"/>
+          </a:lnRef>
+          <a:fillRef idx="1">
+            <a:schemeClr val="lt1"/>
+          </a:fillRef>
+          <a:effectRef idx="0">
+            <a:schemeClr val="dk1"/>
+          </a:effectRef>
+          <a:fontRef idx="minor">
+            <a:schemeClr val="dk1"/>
+          </a:fontRef>
+        </p:style>
+        <p:txBody>
+          <a:bodyPr rtlCol="0" anchor="ctr"/>
+          <a:lstStyle/>
+          <a:p>
+            <a:pPr algn="ctr"/>
+            <a:endParaRPr lang="ko-KR" altLang="en-US"/>
+          </a:p>
+        </p:txBody>
+      </p:sp>
+      <p:sp>
+        <p:nvSpPr>
+          <p:cNvPr id="8" name="타원 7"/>
+          <p:cNvSpPr/>
+          <p:nvPr/>
+        </p:nvSpPr>
+        <p:spPr>
+          <a:xfrm>
+            <a:off x="441576" y="4229642"/>
+            <a:ext cx="1187719" cy="721511"/>
+          </a:xfrm>
+          <a:prstGeom prst="ellipse">
+            <a:avLst/>
+          </a:prstGeom>
+          <a:noFill/>
+          <a:ln>
+            <a:solidFill>
+              <a:srgbClr val="C00000"/>
+            </a:solidFill>
+          </a:ln>
+        </p:spPr>
+        <p:style>
+          <a:lnRef idx="2">
+            <a:schemeClr val="dk1"/>
+          </a:lnRef>
+          <a:fillRef idx="1">
+            <a:schemeClr val="lt1"/>
+          </a:fillRef>
+          <a:effectRef idx="0">
+            <a:schemeClr val="dk1"/>
+          </a:effectRef>
+          <a:fontRef idx="minor">
+            <a:schemeClr val="dk1"/>
+          </a:fontRef>
+        </p:style>
+        <p:txBody>
+          <a:bodyPr rtlCol="0" anchor="ctr"/>
+          <a:lstStyle/>
+          <a:p>
+            <a:pPr algn="ctr"/>
+            <a:endParaRPr lang="ko-KR" altLang="en-US"/>
+          </a:p>
+        </p:txBody>
+      </p:sp>
+      <p:sp>
+        <p:nvSpPr>
+          <p:cNvPr id="9" name="타원 8"/>
+          <p:cNvSpPr/>
+          <p:nvPr/>
+        </p:nvSpPr>
+        <p:spPr>
+          <a:xfrm>
+            <a:off x="6750742" y="4038450"/>
+            <a:ext cx="1187719" cy="721511"/>
+          </a:xfrm>
+          <a:prstGeom prst="ellipse">
+            <a:avLst/>
+          </a:prstGeom>
+          <a:noFill/>
+          <a:ln>
+            <a:solidFill>
+              <a:srgbClr val="C00000"/>
+            </a:solidFill>
+          </a:ln>
+        </p:spPr>
+        <p:style>
+          <a:lnRef idx="2">
+            <a:schemeClr val="dk1"/>
+          </a:lnRef>
+          <a:fillRef idx="1">
+            <a:schemeClr val="lt1"/>
+          </a:fillRef>
+          <a:effectRef idx="0">
+            <a:schemeClr val="dk1"/>
+          </a:effectRef>
+          <a:fontRef idx="minor">
+            <a:schemeClr val="dk1"/>
+          </a:fontRef>
+        </p:style>
+        <p:txBody>
+          <a:bodyPr rtlCol="0" anchor="ctr"/>
+          <a:lstStyle/>
+          <a:p>
+            <a:pPr algn="ctr"/>
+            <a:endParaRPr lang="ko-KR" altLang="en-US"/>
+          </a:p>
+        </p:txBody>
+      </p:sp>
+      <p:sp>
+        <p:nvSpPr>
+          <p:cNvPr id="10" name="타원 9"/>
+          <p:cNvSpPr/>
+          <p:nvPr/>
+        </p:nvSpPr>
+        <p:spPr>
+          <a:xfrm>
+            <a:off x="6750743" y="1356833"/>
+            <a:ext cx="1187719" cy="721511"/>
+          </a:xfrm>
+          <a:prstGeom prst="ellipse">
+            <a:avLst/>
+          </a:prstGeom>
+          <a:noFill/>
+          <a:ln>
+            <a:solidFill>
+              <a:srgbClr val="C00000"/>
+            </a:solidFill>
+          </a:ln>
+        </p:spPr>
+        <p:style>
+          <a:lnRef idx="2">
+            <a:schemeClr val="dk1"/>
+          </a:lnRef>
+          <a:fillRef idx="1">
+            <a:schemeClr val="lt1"/>
+          </a:fillRef>
+          <a:effectRef idx="0">
+            <a:schemeClr val="dk1"/>
+          </a:effectRef>
+          <a:fontRef idx="minor">
+            <a:schemeClr val="dk1"/>
+          </a:fontRef>
+        </p:style>
+        <p:txBody>
+          <a:bodyPr rtlCol="0" anchor="ctr"/>
+          <a:lstStyle/>
+          <a:p>
+            <a:pPr algn="ctr"/>
+            <a:endParaRPr lang="ko-KR" altLang="en-US"/>
+          </a:p>
+        </p:txBody>
+      </p:sp>
+      <p:sp>
+        <p:nvSpPr>
+          <p:cNvPr id="11" name="타원 10"/>
+          <p:cNvSpPr/>
+          <p:nvPr/>
+        </p:nvSpPr>
+        <p:spPr>
+          <a:xfrm>
+            <a:off x="3607724" y="3809001"/>
+            <a:ext cx="1187719" cy="721511"/>
+          </a:xfrm>
+          <a:prstGeom prst="ellipse">
+            <a:avLst/>
+          </a:prstGeom>
+          <a:noFill/>
+          <a:ln>
+            <a:solidFill>
+              <a:srgbClr val="C00000"/>
+            </a:solidFill>
+          </a:ln>
+        </p:spPr>
+        <p:style>
+          <a:lnRef idx="2">
+            <a:schemeClr val="dk1"/>
+          </a:lnRef>
+          <a:fillRef idx="1">
+            <a:schemeClr val="lt1"/>
+          </a:fillRef>
+          <a:effectRef idx="0">
+            <a:schemeClr val="dk1"/>
+          </a:effectRef>
+          <a:fontRef idx="minor">
+            <a:schemeClr val="dk1"/>
+          </a:fontRef>
+        </p:style>
+        <p:txBody>
+          <a:bodyPr rtlCol="0" anchor="ctr"/>
+          <a:lstStyle/>
+          <a:p>
+            <a:pPr algn="ctr"/>
+            <a:endParaRPr lang="ko-KR" altLang="en-US"/>
+          </a:p>
+        </p:txBody>
+      </p:sp>
+      <p:sp>
+        <p:nvSpPr>
+          <p:cNvPr id="12" name="타원 11"/>
+          <p:cNvSpPr/>
+          <p:nvPr/>
+        </p:nvSpPr>
+        <p:spPr>
+          <a:xfrm>
+            <a:off x="3607724" y="1324957"/>
+            <a:ext cx="1187719" cy="721511"/>
+          </a:xfrm>
+          <a:prstGeom prst="ellipse">
+            <a:avLst/>
+          </a:prstGeom>
+          <a:noFill/>
+          <a:ln>
+            <a:solidFill>
+              <a:srgbClr val="C00000"/>
+            </a:solidFill>
+          </a:ln>
+        </p:spPr>
+        <p:style>
+          <a:lnRef idx="2">
+            <a:schemeClr val="dk1"/>
+          </a:lnRef>
+          <a:fillRef idx="1">
+            <a:schemeClr val="lt1"/>
+          </a:fillRef>
+          <a:effectRef idx="0">
+            <a:schemeClr val="dk1"/>
+          </a:effectRef>
+          <a:fontRef idx="minor">
+            <a:schemeClr val="dk1"/>
+          </a:fontRef>
+        </p:style>
+        <p:txBody>
+          <a:bodyPr rtlCol="0" anchor="ctr"/>
+          <a:lstStyle/>
+          <a:p>
+            <a:pPr algn="ctr"/>
+            <a:endParaRPr lang="ko-KR" altLang="en-US"/>
+          </a:p>
+        </p:txBody>
+      </p:sp>
+    </p:spTree>
+    <p:extLst>
+      <p:ext uri="{BB962C8B-B14F-4D97-AF65-F5344CB8AC3E}">
+        <p14:creationId xmlns:p14="http://schemas.microsoft.com/office/powerpoint/2010/main" val="1652155852"/>
+      </p:ext>
+    </p:extLst>
+  </p:cSld>
+  <p:clrMapOvr>
+    <a:masterClrMapping/>
+  </p:clrMapOvr>
+</p:sld>
+</file>
+
+<file path=ppt/slides/slide8.xml><?xml version="1.0" encoding="utf-8"?>
+<p:sld xmlns:a="http://schemas.openxmlformats.org/drawingml/2006/main" xmlns:r="http://schemas.openxmlformats.org/officeDocument/2006/relationships" xmlns:p="http://schemas.openxmlformats.org/presentationml/2006/main">
+  <p:cSld>
+    <p:spTree>
+      <p:nvGrpSpPr>
+        <p:cNvPr id="1" name=""/>
+        <p:cNvGrpSpPr/>
+        <p:nvPr/>
+      </p:nvGrpSpPr>
+      <p:grpSpPr>
+        <a:xfrm>
+          <a:off x="0" y="0"/>
+          <a:ext cx="0" cy="0"/>
+          <a:chOff x="0" y="0"/>
+          <a:chExt cx="0" cy="0"/>
+        </a:xfrm>
+      </p:grpSpPr>
+      <p:sp>
+        <p:nvSpPr>
+          <p:cNvPr id="2" name="제목 1"/>
+          <p:cNvSpPr>
+            <a:spLocks noGrp="1"/>
+          </p:cNvSpPr>
+          <p:nvPr>
+            <p:ph type="title"/>
+          </p:nvPr>
+        </p:nvSpPr>
+        <p:spPr/>
+        <p:txBody>
+          <a:bodyPr/>
+          <a:lstStyle/>
+          <a:p>
+            <a:r>
+              <a:rPr lang="en-US" altLang="ko-KR" dirty="0"/>
+              <a:t>Html</a:t>
+            </a:r>
+            <a:r>
+              <a:rPr lang="ko-KR" altLang="en-US" dirty="0"/>
+              <a:t>파일</a:t>
+            </a:r>
+            <a:r>
+              <a:rPr lang="en-US" altLang="ko-KR" dirty="0" smtClean="0"/>
+              <a:t>(</a:t>
+            </a:r>
+            <a:r>
+              <a:rPr lang="ko-KR" altLang="en-US" dirty="0" smtClean="0"/>
+              <a:t>게이지</a:t>
+            </a:r>
+            <a:r>
+              <a:rPr lang="en-US" altLang="ko-KR" dirty="0" smtClean="0"/>
+              <a:t>)</a:t>
+            </a:r>
+            <a:endParaRPr lang="ko-KR" altLang="en-US" dirty="0"/>
+          </a:p>
+        </p:txBody>
+      </p:sp>
+      <p:pic>
+        <p:nvPicPr>
+          <p:cNvPr id="3" name="그림 2"/>
+          <p:cNvPicPr>
+            <a:picLocks noChangeAspect="1"/>
+          </p:cNvPicPr>
+          <p:nvPr/>
+        </p:nvPicPr>
+        <p:blipFill>
+          <a:blip r:embed="rId2"/>
+          <a:stretch>
+            <a:fillRect/>
+          </a:stretch>
+        </p:blipFill>
+        <p:spPr>
+          <a:xfrm>
+            <a:off x="2043138" y="2050040"/>
+            <a:ext cx="6391275" cy="2255953"/>
+          </a:xfrm>
+          <a:prstGeom prst="rect">
+            <a:avLst/>
+          </a:prstGeom>
+        </p:spPr>
+      </p:pic>
+      <p:sp>
+        <p:nvSpPr>
+          <p:cNvPr id="4" name="TextBox 3"/>
+          <p:cNvSpPr txBox="1"/>
+          <p:nvPr/>
+        </p:nvSpPr>
+        <p:spPr>
+          <a:xfrm>
+            <a:off x="2043138" y="1403709"/>
+            <a:ext cx="2498128" cy="646331"/>
+          </a:xfrm>
+          <a:prstGeom prst="rect">
+            <a:avLst/>
+          </a:prstGeom>
+          <a:noFill/>
+        </p:spPr>
+        <p:txBody>
+          <a:bodyPr wrap="square" rtlCol="0">
+            <a:spAutoFit/>
+          </a:bodyPr>
+          <a:lstStyle/>
+          <a:p>
+            <a:r>
+              <a:rPr lang="en-US" altLang="ko-KR" dirty="0" smtClean="0"/>
+              <a:t>Math</a:t>
+            </a:r>
+            <a:r>
+              <a:rPr lang="ko-KR" altLang="en-US" dirty="0" smtClean="0"/>
+              <a:t>를 이용하여 각 센서들의 </a:t>
+            </a:r>
+            <a:r>
+              <a:rPr lang="ko-KR" altLang="en-US" dirty="0" err="1" smtClean="0"/>
+              <a:t>백터</a:t>
+            </a:r>
+            <a:r>
+              <a:rPr lang="ko-KR" altLang="en-US" dirty="0" smtClean="0"/>
+              <a:t> 값을 계산 </a:t>
+            </a:r>
+            <a:endParaRPr lang="ko-KR" altLang="en-US" dirty="0"/>
+          </a:p>
+        </p:txBody>
+      </p:sp>
+      <p:pic>
+        <p:nvPicPr>
+          <p:cNvPr id="5" name="그림 4"/>
+          <p:cNvPicPr>
+            <a:picLocks noChangeAspect="1"/>
+          </p:cNvPicPr>
+          <p:nvPr/>
+        </p:nvPicPr>
+        <p:blipFill>
+          <a:blip r:embed="rId3"/>
+          <a:stretch>
+            <a:fillRect/>
+          </a:stretch>
+        </p:blipFill>
+        <p:spPr>
+          <a:xfrm>
+            <a:off x="677334" y="2050040"/>
+            <a:ext cx="1333500" cy="2781300"/>
+          </a:xfrm>
+          <a:prstGeom prst="rect">
+            <a:avLst/>
+          </a:prstGeom>
+        </p:spPr>
+      </p:pic>
+      <p:sp>
+        <p:nvSpPr>
+          <p:cNvPr id="6" name="타원 5"/>
+          <p:cNvSpPr/>
+          <p:nvPr/>
+        </p:nvSpPr>
+        <p:spPr>
+          <a:xfrm>
+            <a:off x="758538" y="4482331"/>
+            <a:ext cx="1006726" cy="543463"/>
+          </a:xfrm>
+          <a:prstGeom prst="ellipse">
+            <a:avLst/>
+          </a:prstGeom>
+          <a:noFill/>
+          <a:ln>
+            <a:solidFill>
+              <a:srgbClr val="C00000"/>
+            </a:solidFill>
+          </a:ln>
+        </p:spPr>
+        <p:style>
+          <a:lnRef idx="2">
+            <a:schemeClr val="dk1"/>
+          </a:lnRef>
+          <a:fillRef idx="1">
+            <a:schemeClr val="lt1"/>
+          </a:fillRef>
+          <a:effectRef idx="0">
+            <a:schemeClr val="dk1"/>
+          </a:effectRef>
+          <a:fontRef idx="minor">
+            <a:schemeClr val="dk1"/>
+          </a:fontRef>
+        </p:style>
+        <p:txBody>
+          <a:bodyPr rtlCol="0" anchor="ctr"/>
+          <a:lstStyle/>
+          <a:p>
+            <a:pPr algn="ctr"/>
+            <a:endParaRPr lang="ko-KR" altLang="en-US"/>
+          </a:p>
+        </p:txBody>
+      </p:sp>
+      <p:sp>
+        <p:nvSpPr>
+          <p:cNvPr id="7" name="TextBox 6"/>
+          <p:cNvSpPr txBox="1"/>
+          <p:nvPr/>
+        </p:nvSpPr>
+        <p:spPr>
+          <a:xfrm>
+            <a:off x="677334" y="5097330"/>
+            <a:ext cx="1735280" cy="646331"/>
+          </a:xfrm>
+          <a:prstGeom prst="rect">
+            <a:avLst/>
+          </a:prstGeom>
+          <a:noFill/>
+        </p:spPr>
+        <p:txBody>
+          <a:bodyPr wrap="square" rtlCol="0">
+            <a:spAutoFit/>
+          </a:bodyPr>
+          <a:lstStyle/>
+          <a:p>
+            <a:r>
+              <a:rPr lang="ko-KR" altLang="en-US" dirty="0" err="1" smtClean="0"/>
+              <a:t>백터</a:t>
+            </a:r>
+            <a:r>
+              <a:rPr lang="ko-KR" altLang="en-US" dirty="0" smtClean="0"/>
+              <a:t> 값을 받을 배열 생성</a:t>
+            </a:r>
+            <a:endParaRPr lang="ko-KR" altLang="en-US" dirty="0"/>
+          </a:p>
+        </p:txBody>
+      </p:sp>
+    </p:spTree>
+    <p:extLst>
+      <p:ext uri="{BB962C8B-B14F-4D97-AF65-F5344CB8AC3E}">
+        <p14:creationId xmlns:p14="http://schemas.microsoft.com/office/powerpoint/2010/main" val="2511853398"/>
+      </p:ext>
+    </p:extLst>
+  </p:cSld>
+  <p:clrMapOvr>
+    <a:masterClrMapping/>
+  </p:clrMapOvr>
+</p:sld>
+</file>
+
+<file path=ppt/slides/slide9.xml><?xml version="1.0" encoding="utf-8"?>
+<p:sld xmlns:a="http://schemas.openxmlformats.org/drawingml/2006/main" xmlns:r="http://schemas.openxmlformats.org/officeDocument/2006/relationships" xmlns:p="http://schemas.openxmlformats.org/presentationml/2006/main">
+  <p:cSld>
+    <p:spTree>
+      <p:nvGrpSpPr>
+        <p:cNvPr id="1" name=""/>
+        <p:cNvGrpSpPr/>
+        <p:nvPr/>
+      </p:nvGrpSpPr>
+      <p:grpSpPr>
+        <a:xfrm>
+          <a:off x="0" y="0"/>
+          <a:ext cx="0" cy="0"/>
+          <a:chOff x="0" y="0"/>
+          <a:chExt cx="0" cy="0"/>
+        </a:xfrm>
+      </p:grpSpPr>
+      <p:sp>
+        <p:nvSpPr>
+          <p:cNvPr id="2" name="제목 1"/>
+          <p:cNvSpPr>
+            <a:spLocks noGrp="1"/>
+          </p:cNvSpPr>
+          <p:nvPr>
+            <p:ph type="title"/>
+          </p:nvPr>
+        </p:nvSpPr>
+        <p:spPr/>
+        <p:txBody>
+          <a:bodyPr/>
+          <a:lstStyle/>
+          <a:p>
+            <a:r>
+              <a:rPr lang="en-US" altLang="ko-KR" dirty="0" smtClean="0"/>
+              <a:t>Live Server </a:t>
+            </a:r>
+            <a:r>
+              <a:rPr lang="ko-KR" altLang="en-US" dirty="0" smtClean="0"/>
+              <a:t>결과</a:t>
+            </a:r>
+            <a:endParaRPr lang="ko-KR" altLang="en-US" dirty="0"/>
+          </a:p>
+        </p:txBody>
+      </p:sp>
+      <p:pic>
+        <p:nvPicPr>
+          <p:cNvPr id="4" name="그림 3"/>
+          <p:cNvPicPr>
+            <a:picLocks noChangeAspect="1"/>
+          </p:cNvPicPr>
+          <p:nvPr/>
+        </p:nvPicPr>
+        <p:blipFill>
+          <a:blip r:embed="rId2"/>
+          <a:stretch>
+            <a:fillRect/>
+          </a:stretch>
+        </p:blipFill>
+        <p:spPr>
+          <a:xfrm>
+            <a:off x="378079" y="1549457"/>
+            <a:ext cx="8225594" cy="4419081"/>
+          </a:xfrm>
+          <a:prstGeom prst="rect">
+            <a:avLst/>
+          </a:prstGeom>
+        </p:spPr>
+      </p:pic>
+    </p:spTree>
+    <p:extLst>
+      <p:ext uri="{BB962C8B-B14F-4D97-AF65-F5344CB8AC3E}">
+        <p14:creationId xmlns:p14="http://schemas.microsoft.com/office/powerpoint/2010/main" val="2481838978"/>
       </p:ext>
     </p:extLst>
   </p:cSld>

--- a/AA20-rpt14/아두이노 응용 기말 프로젝트.pptx
+++ b/AA20-rpt14/아두이노 응용 기말 프로젝트.pptx
@@ -18,6 +18,8 @@
     <p:sldId id="266" r:id="rId12"/>
     <p:sldId id="267" r:id="rId13"/>
     <p:sldId id="268" r:id="rId14"/>
+    <p:sldId id="273" r:id="rId15"/>
+    <p:sldId id="271" r:id="rId16"/>
   </p:sldIdLst>
   <p:sldSz cx="12192000" cy="6858000"/>
   <p:notesSz cx="6858000" cy="9144000"/>
@@ -725,7 +727,7 @@
           </a:lstStyle>
           <a:p>
             <a:r>
-              <a:rPr lang="ko-KR" altLang="en-US" smtClean="0"/>
+              <a:rPr lang="ko-KR" altLang="en-US"/>
               <a:t>마스터 제목 스타일 편집</a:t>
             </a:r>
             <a:endParaRPr lang="en-US" dirty="0"/>
@@ -845,7 +847,7 @@
           </a:lstStyle>
           <a:p>
             <a:r>
-              <a:rPr lang="ko-KR" altLang="en-US" smtClean="0"/>
+              <a:rPr lang="ko-KR" altLang="en-US"/>
               <a:t>클릭하여 마스터 부제목 스타일 편집</a:t>
             </a:r>
             <a:endParaRPr lang="en-US" dirty="0"/>
@@ -869,7 +871,7 @@
           <a:p>
             <a:fld id="{94335D7C-7EEF-4522-9C38-2D33C6AC78AD}" type="datetimeFigureOut">
               <a:rPr lang="ko-KR" altLang="en-US" smtClean="0"/>
-              <a:t>2021-12-11</a:t>
+              <a:t>2021-12-15</a:t>
             </a:fld>
             <a:endParaRPr lang="ko-KR" altLang="en-US"/>
           </a:p>
@@ -974,7 +976,7 @@
           </a:lstStyle>
           <a:p>
             <a:r>
-              <a:rPr lang="ko-KR" altLang="en-US" smtClean="0"/>
+              <a:rPr lang="ko-KR" altLang="en-US"/>
               <a:t>마스터 제목 스타일 편집</a:t>
             </a:r>
             <a:endParaRPr lang="en-US" dirty="0"/>
@@ -1097,7 +1099,7 @@
           <a:p>
             <a:pPr lvl="0"/>
             <a:r>
-              <a:rPr lang="ko-KR" altLang="en-US" smtClean="0"/>
+              <a:rPr lang="ko-KR" altLang="en-US"/>
               <a:t>마스터 텍스트 스타일 편집</a:t>
             </a:r>
           </a:p>
@@ -1120,7 +1122,7 @@
           <a:p>
             <a:fld id="{94335D7C-7EEF-4522-9C38-2D33C6AC78AD}" type="datetimeFigureOut">
               <a:rPr lang="ko-KR" altLang="en-US" smtClean="0"/>
-              <a:t>2021-12-11</a:t>
+              <a:t>2021-12-15</a:t>
             </a:fld>
             <a:endParaRPr lang="ko-KR" altLang="en-US"/>
           </a:p>
@@ -1225,7 +1227,7 @@
           </a:lstStyle>
           <a:p>
             <a:r>
-              <a:rPr lang="ko-KR" altLang="en-US" smtClean="0"/>
+              <a:rPr lang="ko-KR" altLang="en-US"/>
               <a:t>마스터 제목 스타일 편집</a:t>
             </a:r>
             <a:endParaRPr lang="en-US" dirty="0"/>
@@ -1289,7 +1291,7 @@
           <a:p>
             <a:pPr lvl="0"/>
             <a:r>
-              <a:rPr lang="ko-KR" altLang="en-US" smtClean="0"/>
+              <a:rPr lang="ko-KR" altLang="en-US"/>
               <a:t>마스터 텍스트 스타일 편집</a:t>
             </a:r>
           </a:p>
@@ -1411,7 +1413,7 @@
           <a:p>
             <a:pPr lvl="0"/>
             <a:r>
-              <a:rPr lang="ko-KR" altLang="en-US" smtClean="0"/>
+              <a:rPr lang="ko-KR" altLang="en-US"/>
               <a:t>마스터 텍스트 스타일 편집</a:t>
             </a:r>
           </a:p>
@@ -1434,7 +1436,7 @@
           <a:p>
             <a:fld id="{94335D7C-7EEF-4522-9C38-2D33C6AC78AD}" type="datetimeFigureOut">
               <a:rPr lang="ko-KR" altLang="en-US" smtClean="0"/>
-              <a:t>2021-12-11</a:t>
+              <a:t>2021-12-15</a:t>
             </a:fld>
             <a:endParaRPr lang="ko-KR" altLang="en-US"/>
           </a:p>
@@ -1621,7 +1623,7 @@
           </a:lstStyle>
           <a:p>
             <a:r>
-              <a:rPr lang="ko-KR" altLang="en-US" smtClean="0"/>
+              <a:rPr lang="ko-KR" altLang="en-US"/>
               <a:t>마스터 제목 스타일 편집</a:t>
             </a:r>
             <a:endParaRPr lang="en-US" dirty="0"/>
@@ -1744,7 +1746,7 @@
           <a:p>
             <a:pPr lvl="0"/>
             <a:r>
-              <a:rPr lang="ko-KR" altLang="en-US" smtClean="0"/>
+              <a:rPr lang="ko-KR" altLang="en-US"/>
               <a:t>마스터 텍스트 스타일 편집</a:t>
             </a:r>
           </a:p>
@@ -1767,7 +1769,7 @@
           <a:p>
             <a:fld id="{94335D7C-7EEF-4522-9C38-2D33C6AC78AD}" type="datetimeFigureOut">
               <a:rPr lang="ko-KR" altLang="en-US" smtClean="0"/>
-              <a:t>2021-12-11</a:t>
+              <a:t>2021-12-15</a:t>
             </a:fld>
             <a:endParaRPr lang="ko-KR" altLang="en-US"/>
           </a:p>
@@ -1872,7 +1874,7 @@
           </a:lstStyle>
           <a:p>
             <a:r>
-              <a:rPr lang="ko-KR" altLang="en-US" smtClean="0"/>
+              <a:rPr lang="ko-KR" altLang="en-US"/>
               <a:t>마스터 제목 스타일 편집</a:t>
             </a:r>
             <a:endParaRPr lang="en-US" dirty="0"/>
@@ -1936,7 +1938,7 @@
           <a:p>
             <a:pPr lvl="0"/>
             <a:r>
-              <a:rPr lang="ko-KR" altLang="en-US" smtClean="0"/>
+              <a:rPr lang="ko-KR" altLang="en-US"/>
               <a:t>마스터 텍스트 스타일 편집</a:t>
             </a:r>
           </a:p>
@@ -2058,7 +2060,7 @@
           <a:p>
             <a:pPr lvl="0"/>
             <a:r>
-              <a:rPr lang="ko-KR" altLang="en-US" smtClean="0"/>
+              <a:rPr lang="ko-KR" altLang="en-US"/>
               <a:t>마스터 텍스트 스타일 편집</a:t>
             </a:r>
           </a:p>
@@ -2081,7 +2083,7 @@
           <a:p>
             <a:fld id="{94335D7C-7EEF-4522-9C38-2D33C6AC78AD}" type="datetimeFigureOut">
               <a:rPr lang="ko-KR" altLang="en-US" smtClean="0"/>
-              <a:t>2021-12-11</a:t>
+              <a:t>2021-12-15</a:t>
             </a:fld>
             <a:endParaRPr lang="ko-KR" altLang="en-US"/>
           </a:p>
@@ -2268,7 +2270,7 @@
           </a:lstStyle>
           <a:p>
             <a:r>
-              <a:rPr lang="ko-KR" altLang="en-US" smtClean="0"/>
+              <a:rPr lang="ko-KR" altLang="en-US"/>
               <a:t>마스터 제목 스타일 편집</a:t>
             </a:r>
             <a:endParaRPr lang="en-US" dirty="0"/>
@@ -2329,7 +2331,7 @@
           <a:p>
             <a:pPr lvl="0"/>
             <a:r>
-              <a:rPr lang="ko-KR" altLang="en-US" smtClean="0"/>
+              <a:rPr lang="ko-KR" altLang="en-US"/>
               <a:t>마스터 텍스트 스타일 편집</a:t>
             </a:r>
           </a:p>
@@ -2451,7 +2453,7 @@
           <a:p>
             <a:pPr lvl="0"/>
             <a:r>
-              <a:rPr lang="ko-KR" altLang="en-US" smtClean="0"/>
+              <a:rPr lang="ko-KR" altLang="en-US"/>
               <a:t>마스터 텍스트 스타일 편집</a:t>
             </a:r>
           </a:p>
@@ -2474,7 +2476,7 @@
           <a:p>
             <a:fld id="{94335D7C-7EEF-4522-9C38-2D33C6AC78AD}" type="datetimeFigureOut">
               <a:rPr lang="ko-KR" altLang="en-US" smtClean="0"/>
-              <a:t>2021-12-11</a:t>
+              <a:t>2021-12-15</a:t>
             </a:fld>
             <a:endParaRPr lang="ko-KR" altLang="en-US"/>
           </a:p>
@@ -2568,7 +2570,7 @@
           <a:lstStyle/>
           <a:p>
             <a:r>
-              <a:rPr lang="ko-KR" altLang="en-US" smtClean="0"/>
+              <a:rPr lang="ko-KR" altLang="en-US"/>
               <a:t>마스터 제목 스타일 편집</a:t>
             </a:r>
             <a:endParaRPr lang="en-US" dirty="0"/>
@@ -2592,35 +2594,35 @@
           <a:p>
             <a:pPr lvl="0"/>
             <a:r>
-              <a:rPr lang="ko-KR" altLang="en-US" smtClean="0"/>
+              <a:rPr lang="ko-KR" altLang="en-US"/>
               <a:t>마스터 텍스트 스타일 편집</a:t>
             </a:r>
           </a:p>
           <a:p>
             <a:pPr lvl="1"/>
             <a:r>
-              <a:rPr lang="ko-KR" altLang="en-US" smtClean="0"/>
+              <a:rPr lang="ko-KR" altLang="en-US"/>
               <a:t>둘째 수준</a:t>
             </a:r>
           </a:p>
           <a:p>
             <a:pPr lvl="2"/>
             <a:r>
-              <a:rPr lang="ko-KR" altLang="en-US" smtClean="0"/>
+              <a:rPr lang="ko-KR" altLang="en-US"/>
               <a:t>셋째 수준</a:t>
             </a:r>
           </a:p>
           <a:p>
             <a:pPr lvl="3"/>
             <a:r>
-              <a:rPr lang="ko-KR" altLang="en-US" smtClean="0"/>
+              <a:rPr lang="ko-KR" altLang="en-US"/>
               <a:t>넷째 수준</a:t>
             </a:r>
           </a:p>
           <a:p>
             <a:pPr lvl="4"/>
             <a:r>
-              <a:rPr lang="ko-KR" altLang="en-US" smtClean="0"/>
+              <a:rPr lang="ko-KR" altLang="en-US"/>
               <a:t>다섯째 수준</a:t>
             </a:r>
             <a:endParaRPr lang="en-US" dirty="0"/>
@@ -2644,7 +2646,7 @@
           <a:p>
             <a:fld id="{94335D7C-7EEF-4522-9C38-2D33C6AC78AD}" type="datetimeFigureOut">
               <a:rPr lang="ko-KR" altLang="en-US" smtClean="0"/>
-              <a:t>2021-12-11</a:t>
+              <a:t>2021-12-15</a:t>
             </a:fld>
             <a:endParaRPr lang="ko-KR" altLang="en-US"/>
           </a:p>
@@ -2743,7 +2745,7 @@
           <a:lstStyle/>
           <a:p>
             <a:r>
-              <a:rPr lang="ko-KR" altLang="en-US" smtClean="0"/>
+              <a:rPr lang="ko-KR" altLang="en-US"/>
               <a:t>마스터 제목 스타일 편집</a:t>
             </a:r>
             <a:endParaRPr lang="en-US" dirty="0"/>
@@ -2772,35 +2774,35 @@
           <a:p>
             <a:pPr lvl="0"/>
             <a:r>
-              <a:rPr lang="ko-KR" altLang="en-US" smtClean="0"/>
+              <a:rPr lang="ko-KR" altLang="en-US"/>
               <a:t>마스터 텍스트 스타일 편집</a:t>
             </a:r>
           </a:p>
           <a:p>
             <a:pPr lvl="1"/>
             <a:r>
-              <a:rPr lang="ko-KR" altLang="en-US" smtClean="0"/>
+              <a:rPr lang="ko-KR" altLang="en-US"/>
               <a:t>둘째 수준</a:t>
             </a:r>
           </a:p>
           <a:p>
             <a:pPr lvl="2"/>
             <a:r>
-              <a:rPr lang="ko-KR" altLang="en-US" smtClean="0"/>
+              <a:rPr lang="ko-KR" altLang="en-US"/>
               <a:t>셋째 수준</a:t>
             </a:r>
           </a:p>
           <a:p>
             <a:pPr lvl="3"/>
             <a:r>
-              <a:rPr lang="ko-KR" altLang="en-US" smtClean="0"/>
+              <a:rPr lang="ko-KR" altLang="en-US"/>
               <a:t>넷째 수준</a:t>
             </a:r>
           </a:p>
           <a:p>
             <a:pPr lvl="4"/>
             <a:r>
-              <a:rPr lang="ko-KR" altLang="en-US" smtClean="0"/>
+              <a:rPr lang="ko-KR" altLang="en-US"/>
               <a:t>다섯째 수준</a:t>
             </a:r>
             <a:endParaRPr lang="en-US" dirty="0"/>
@@ -2824,7 +2826,7 @@
           <a:p>
             <a:fld id="{94335D7C-7EEF-4522-9C38-2D33C6AC78AD}" type="datetimeFigureOut">
               <a:rPr lang="ko-KR" altLang="en-US" smtClean="0"/>
-              <a:t>2021-12-11</a:t>
+              <a:t>2021-12-15</a:t>
             </a:fld>
             <a:endParaRPr lang="ko-KR" altLang="en-US"/>
           </a:p>
@@ -2918,7 +2920,7 @@
           <a:lstStyle/>
           <a:p>
             <a:r>
-              <a:rPr lang="ko-KR" altLang="en-US" smtClean="0"/>
+              <a:rPr lang="ko-KR" altLang="en-US"/>
               <a:t>마스터 제목 스타일 편집</a:t>
             </a:r>
             <a:endParaRPr lang="en-US" dirty="0"/>
@@ -2942,35 +2944,35 @@
           <a:p>
             <a:pPr lvl="0"/>
             <a:r>
-              <a:rPr lang="ko-KR" altLang="en-US" smtClean="0"/>
+              <a:rPr lang="ko-KR" altLang="en-US"/>
               <a:t>마스터 텍스트 스타일 편집</a:t>
             </a:r>
           </a:p>
           <a:p>
             <a:pPr lvl="1"/>
             <a:r>
-              <a:rPr lang="ko-KR" altLang="en-US" smtClean="0"/>
+              <a:rPr lang="ko-KR" altLang="en-US"/>
               <a:t>둘째 수준</a:t>
             </a:r>
           </a:p>
           <a:p>
             <a:pPr lvl="2"/>
             <a:r>
-              <a:rPr lang="ko-KR" altLang="en-US" smtClean="0"/>
+              <a:rPr lang="ko-KR" altLang="en-US"/>
               <a:t>셋째 수준</a:t>
             </a:r>
           </a:p>
           <a:p>
             <a:pPr lvl="3"/>
             <a:r>
-              <a:rPr lang="ko-KR" altLang="en-US" smtClean="0"/>
+              <a:rPr lang="ko-KR" altLang="en-US"/>
               <a:t>넷째 수준</a:t>
             </a:r>
           </a:p>
           <a:p>
             <a:pPr lvl="4"/>
             <a:r>
-              <a:rPr lang="ko-KR" altLang="en-US" smtClean="0"/>
+              <a:rPr lang="ko-KR" altLang="en-US"/>
               <a:t>다섯째 수준</a:t>
             </a:r>
             <a:endParaRPr lang="en-US" dirty="0"/>
@@ -2994,7 +2996,7 @@
           <a:p>
             <a:fld id="{94335D7C-7EEF-4522-9C38-2D33C6AC78AD}" type="datetimeFigureOut">
               <a:rPr lang="ko-KR" altLang="en-US" smtClean="0"/>
-              <a:t>2021-12-11</a:t>
+              <a:t>2021-12-15</a:t>
             </a:fld>
             <a:endParaRPr lang="ko-KR" altLang="en-US"/>
           </a:p>
@@ -3097,7 +3099,7 @@
           </a:lstStyle>
           <a:p>
             <a:r>
-              <a:rPr lang="ko-KR" altLang="en-US" smtClean="0"/>
+              <a:rPr lang="ko-KR" altLang="en-US"/>
               <a:t>마스터 제목 스타일 편집</a:t>
             </a:r>
             <a:endParaRPr lang="en-US" dirty="0"/>
@@ -3218,7 +3220,7 @@
           <a:p>
             <a:pPr lvl="0"/>
             <a:r>
-              <a:rPr lang="ko-KR" altLang="en-US" smtClean="0"/>
+              <a:rPr lang="ko-KR" altLang="en-US"/>
               <a:t>마스터 텍스트 스타일 편집</a:t>
             </a:r>
           </a:p>
@@ -3241,7 +3243,7 @@
           <a:p>
             <a:fld id="{94335D7C-7EEF-4522-9C38-2D33C6AC78AD}" type="datetimeFigureOut">
               <a:rPr lang="ko-KR" altLang="en-US" smtClean="0"/>
-              <a:t>2021-12-11</a:t>
+              <a:t>2021-12-15</a:t>
             </a:fld>
             <a:endParaRPr lang="ko-KR" altLang="en-US"/>
           </a:p>
@@ -3335,7 +3337,7 @@
           <a:lstStyle/>
           <a:p>
             <a:r>
-              <a:rPr lang="ko-KR" altLang="en-US" smtClean="0"/>
+              <a:rPr lang="ko-KR" altLang="en-US"/>
               <a:t>마스터 제목 스타일 편집</a:t>
             </a:r>
             <a:endParaRPr lang="en-US" dirty="0"/>
@@ -3364,35 +3366,35 @@
           <a:p>
             <a:pPr lvl="0"/>
             <a:r>
-              <a:rPr lang="ko-KR" altLang="en-US" smtClean="0"/>
+              <a:rPr lang="ko-KR" altLang="en-US"/>
               <a:t>마스터 텍스트 스타일 편집</a:t>
             </a:r>
           </a:p>
           <a:p>
             <a:pPr lvl="1"/>
             <a:r>
-              <a:rPr lang="ko-KR" altLang="en-US" smtClean="0"/>
+              <a:rPr lang="ko-KR" altLang="en-US"/>
               <a:t>둘째 수준</a:t>
             </a:r>
           </a:p>
           <a:p>
             <a:pPr lvl="2"/>
             <a:r>
-              <a:rPr lang="ko-KR" altLang="en-US" smtClean="0"/>
+              <a:rPr lang="ko-KR" altLang="en-US"/>
               <a:t>셋째 수준</a:t>
             </a:r>
           </a:p>
           <a:p>
             <a:pPr lvl="3"/>
             <a:r>
-              <a:rPr lang="ko-KR" altLang="en-US" smtClean="0"/>
+              <a:rPr lang="ko-KR" altLang="en-US"/>
               <a:t>넷째 수준</a:t>
             </a:r>
           </a:p>
           <a:p>
             <a:pPr lvl="4"/>
             <a:r>
-              <a:rPr lang="ko-KR" altLang="en-US" smtClean="0"/>
+              <a:rPr lang="ko-KR" altLang="en-US"/>
               <a:t>다섯째 수준</a:t>
             </a:r>
             <a:endParaRPr lang="en-US" dirty="0"/>
@@ -3421,35 +3423,35 @@
           <a:p>
             <a:pPr lvl="0"/>
             <a:r>
-              <a:rPr lang="ko-KR" altLang="en-US" smtClean="0"/>
+              <a:rPr lang="ko-KR" altLang="en-US"/>
               <a:t>마스터 텍스트 스타일 편집</a:t>
             </a:r>
           </a:p>
           <a:p>
             <a:pPr lvl="1"/>
             <a:r>
-              <a:rPr lang="ko-KR" altLang="en-US" smtClean="0"/>
+              <a:rPr lang="ko-KR" altLang="en-US"/>
               <a:t>둘째 수준</a:t>
             </a:r>
           </a:p>
           <a:p>
             <a:pPr lvl="2"/>
             <a:r>
-              <a:rPr lang="ko-KR" altLang="en-US" smtClean="0"/>
+              <a:rPr lang="ko-KR" altLang="en-US"/>
               <a:t>셋째 수준</a:t>
             </a:r>
           </a:p>
           <a:p>
             <a:pPr lvl="3"/>
             <a:r>
-              <a:rPr lang="ko-KR" altLang="en-US" smtClean="0"/>
+              <a:rPr lang="ko-KR" altLang="en-US"/>
               <a:t>넷째 수준</a:t>
             </a:r>
           </a:p>
           <a:p>
             <a:pPr lvl="4"/>
             <a:r>
-              <a:rPr lang="ko-KR" altLang="en-US" smtClean="0"/>
+              <a:rPr lang="ko-KR" altLang="en-US"/>
               <a:t>다섯째 수준</a:t>
             </a:r>
             <a:endParaRPr lang="en-US" dirty="0"/>
@@ -3473,7 +3475,7 @@
           <a:p>
             <a:fld id="{94335D7C-7EEF-4522-9C38-2D33C6AC78AD}" type="datetimeFigureOut">
               <a:rPr lang="ko-KR" altLang="en-US" smtClean="0"/>
-              <a:t>2021-12-11</a:t>
+              <a:t>2021-12-15</a:t>
             </a:fld>
             <a:endParaRPr lang="ko-KR" altLang="en-US"/>
           </a:p>
@@ -3571,7 +3573,7 @@
           </a:lstStyle>
           <a:p>
             <a:r>
-              <a:rPr lang="ko-KR" altLang="en-US" smtClean="0"/>
+              <a:rPr lang="ko-KR" altLang="en-US"/>
               <a:t>마스터 제목 스타일 편집</a:t>
             </a:r>
             <a:endParaRPr lang="en-US" dirty="0"/>
@@ -3639,7 +3641,7 @@
           <a:p>
             <a:pPr lvl="0"/>
             <a:r>
-              <a:rPr lang="ko-KR" altLang="en-US" smtClean="0"/>
+              <a:rPr lang="ko-KR" altLang="en-US"/>
               <a:t>마스터 텍스트 스타일 편집</a:t>
             </a:r>
           </a:p>
@@ -3669,35 +3671,35 @@
           <a:p>
             <a:pPr lvl="0"/>
             <a:r>
-              <a:rPr lang="ko-KR" altLang="en-US" smtClean="0"/>
+              <a:rPr lang="ko-KR" altLang="en-US"/>
               <a:t>마스터 텍스트 스타일 편집</a:t>
             </a:r>
           </a:p>
           <a:p>
             <a:pPr lvl="1"/>
             <a:r>
-              <a:rPr lang="ko-KR" altLang="en-US" smtClean="0"/>
+              <a:rPr lang="ko-KR" altLang="en-US"/>
               <a:t>둘째 수준</a:t>
             </a:r>
           </a:p>
           <a:p>
             <a:pPr lvl="2"/>
             <a:r>
-              <a:rPr lang="ko-KR" altLang="en-US" smtClean="0"/>
+              <a:rPr lang="ko-KR" altLang="en-US"/>
               <a:t>셋째 수준</a:t>
             </a:r>
           </a:p>
           <a:p>
             <a:pPr lvl="3"/>
             <a:r>
-              <a:rPr lang="ko-KR" altLang="en-US" smtClean="0"/>
+              <a:rPr lang="ko-KR" altLang="en-US"/>
               <a:t>넷째 수준</a:t>
             </a:r>
           </a:p>
           <a:p>
             <a:pPr lvl="4"/>
             <a:r>
-              <a:rPr lang="ko-KR" altLang="en-US" smtClean="0"/>
+              <a:rPr lang="ko-KR" altLang="en-US"/>
               <a:t>다섯째 수준</a:t>
             </a:r>
             <a:endParaRPr lang="en-US" dirty="0"/>
@@ -3765,7 +3767,7 @@
           <a:p>
             <a:pPr lvl="0"/>
             <a:r>
-              <a:rPr lang="ko-KR" altLang="en-US" smtClean="0"/>
+              <a:rPr lang="ko-KR" altLang="en-US"/>
               <a:t>마스터 텍스트 스타일 편집</a:t>
             </a:r>
           </a:p>
@@ -3795,35 +3797,35 @@
           <a:p>
             <a:pPr lvl="0"/>
             <a:r>
-              <a:rPr lang="ko-KR" altLang="en-US" smtClean="0"/>
+              <a:rPr lang="ko-KR" altLang="en-US"/>
               <a:t>마스터 텍스트 스타일 편집</a:t>
             </a:r>
           </a:p>
           <a:p>
             <a:pPr lvl="1"/>
             <a:r>
-              <a:rPr lang="ko-KR" altLang="en-US" smtClean="0"/>
+              <a:rPr lang="ko-KR" altLang="en-US"/>
               <a:t>둘째 수준</a:t>
             </a:r>
           </a:p>
           <a:p>
             <a:pPr lvl="2"/>
             <a:r>
-              <a:rPr lang="ko-KR" altLang="en-US" smtClean="0"/>
+              <a:rPr lang="ko-KR" altLang="en-US"/>
               <a:t>셋째 수준</a:t>
             </a:r>
           </a:p>
           <a:p>
             <a:pPr lvl="3"/>
             <a:r>
-              <a:rPr lang="ko-KR" altLang="en-US" smtClean="0"/>
+              <a:rPr lang="ko-KR" altLang="en-US"/>
               <a:t>넷째 수준</a:t>
             </a:r>
           </a:p>
           <a:p>
             <a:pPr lvl="4"/>
             <a:r>
-              <a:rPr lang="ko-KR" altLang="en-US" smtClean="0"/>
+              <a:rPr lang="ko-KR" altLang="en-US"/>
               <a:t>다섯째 수준</a:t>
             </a:r>
             <a:endParaRPr lang="en-US" dirty="0"/>
@@ -3847,7 +3849,7 @@
           <a:p>
             <a:fld id="{94335D7C-7EEF-4522-9C38-2D33C6AC78AD}" type="datetimeFigureOut">
               <a:rPr lang="ko-KR" altLang="en-US" smtClean="0"/>
-              <a:t>2021-12-11</a:t>
+              <a:t>2021-12-15</a:t>
             </a:fld>
             <a:endParaRPr lang="ko-KR" altLang="en-US"/>
           </a:p>
@@ -3946,7 +3948,7 @@
           <a:lstStyle/>
           <a:p>
             <a:r>
-              <a:rPr lang="ko-KR" altLang="en-US" smtClean="0"/>
+              <a:rPr lang="ko-KR" altLang="en-US"/>
               <a:t>마스터 제목 스타일 편집</a:t>
             </a:r>
             <a:endParaRPr lang="en-US" dirty="0"/>
@@ -3970,7 +3972,7 @@
           <a:p>
             <a:fld id="{94335D7C-7EEF-4522-9C38-2D33C6AC78AD}" type="datetimeFigureOut">
               <a:rPr lang="ko-KR" altLang="en-US" smtClean="0"/>
-              <a:t>2021-12-11</a:t>
+              <a:t>2021-12-15</a:t>
             </a:fld>
             <a:endParaRPr lang="ko-KR" altLang="en-US"/>
           </a:p>
@@ -4065,7 +4067,7 @@
           <a:p>
             <a:fld id="{94335D7C-7EEF-4522-9C38-2D33C6AC78AD}" type="datetimeFigureOut">
               <a:rPr lang="ko-KR" altLang="en-US" smtClean="0"/>
-              <a:t>2021-12-11</a:t>
+              <a:t>2021-12-15</a:t>
             </a:fld>
             <a:endParaRPr lang="ko-KR" altLang="en-US"/>
           </a:p>
@@ -4170,7 +4172,7 @@
           </a:lstStyle>
           <a:p>
             <a:r>
-              <a:rPr lang="ko-KR" altLang="en-US" smtClean="0"/>
+              <a:rPr lang="ko-KR" altLang="en-US"/>
               <a:t>마스터 제목 스타일 편집</a:t>
             </a:r>
             <a:endParaRPr lang="en-US" dirty="0"/>
@@ -4201,35 +4203,35 @@
           <a:p>
             <a:pPr lvl="0"/>
             <a:r>
-              <a:rPr lang="ko-KR" altLang="en-US" smtClean="0"/>
+              <a:rPr lang="ko-KR" altLang="en-US"/>
               <a:t>마스터 텍스트 스타일 편집</a:t>
             </a:r>
           </a:p>
           <a:p>
             <a:pPr lvl="1"/>
             <a:r>
-              <a:rPr lang="ko-KR" altLang="en-US" smtClean="0"/>
+              <a:rPr lang="ko-KR" altLang="en-US"/>
               <a:t>둘째 수준</a:t>
             </a:r>
           </a:p>
           <a:p>
             <a:pPr lvl="2"/>
             <a:r>
-              <a:rPr lang="ko-KR" altLang="en-US" smtClean="0"/>
+              <a:rPr lang="ko-KR" altLang="en-US"/>
               <a:t>셋째 수준</a:t>
             </a:r>
           </a:p>
           <a:p>
             <a:pPr lvl="3"/>
             <a:r>
-              <a:rPr lang="ko-KR" altLang="en-US" smtClean="0"/>
+              <a:rPr lang="ko-KR" altLang="en-US"/>
               <a:t>넷째 수준</a:t>
             </a:r>
           </a:p>
           <a:p>
             <a:pPr lvl="4"/>
             <a:r>
-              <a:rPr lang="ko-KR" altLang="en-US" smtClean="0"/>
+              <a:rPr lang="ko-KR" altLang="en-US"/>
               <a:t>다섯째 수준</a:t>
             </a:r>
             <a:endParaRPr lang="en-US" dirty="0"/>
@@ -4297,7 +4299,7 @@
           <a:p>
             <a:pPr lvl="0"/>
             <a:r>
-              <a:rPr lang="ko-KR" altLang="en-US" smtClean="0"/>
+              <a:rPr lang="ko-KR" altLang="en-US"/>
               <a:t>마스터 텍스트 스타일 편집</a:t>
             </a:r>
           </a:p>
@@ -4320,7 +4322,7 @@
           <a:p>
             <a:fld id="{94335D7C-7EEF-4522-9C38-2D33C6AC78AD}" type="datetimeFigureOut">
               <a:rPr lang="ko-KR" altLang="en-US" smtClean="0"/>
-              <a:t>2021-12-11</a:t>
+              <a:t>2021-12-15</a:t>
             </a:fld>
             <a:endParaRPr lang="ko-KR" altLang="en-US"/>
           </a:p>
@@ -4425,7 +4427,7 @@
           </a:lstStyle>
           <a:p>
             <a:r>
-              <a:rPr lang="ko-KR" altLang="en-US" smtClean="0"/>
+              <a:rPr lang="ko-KR" altLang="en-US"/>
               <a:t>마스터 제목 스타일 편집</a:t>
             </a:r>
             <a:endParaRPr lang="en-US" dirty="0"/>
@@ -4492,7 +4494,7 @@
           </a:lstStyle>
           <a:p>
             <a:r>
-              <a:rPr lang="ko-KR" altLang="en-US" smtClean="0"/>
+              <a:rPr lang="ko-KR" altLang="en-US"/>
               <a:t>그림을 추가하려면 아이콘을 클릭하십시오</a:t>
             </a:r>
             <a:endParaRPr lang="en-US" dirty="0"/>
@@ -4560,7 +4562,7 @@
           <a:p>
             <a:pPr lvl="0"/>
             <a:r>
-              <a:rPr lang="ko-KR" altLang="en-US" smtClean="0"/>
+              <a:rPr lang="ko-KR" altLang="en-US"/>
               <a:t>마스터 텍스트 스타일 편집</a:t>
             </a:r>
           </a:p>
@@ -4625,7 +4627,7 @@
           <a:p>
             <a:fld id="{94335D7C-7EEF-4522-9C38-2D33C6AC78AD}" type="datetimeFigureOut">
               <a:rPr lang="ko-KR" altLang="en-US" smtClean="0"/>
-              <a:t>2021-12-11</a:t>
+              <a:t>2021-12-15</a:t>
             </a:fld>
             <a:endParaRPr lang="ko-KR" altLang="en-US"/>
           </a:p>
@@ -5223,7 +5225,7 @@
           <a:lstStyle/>
           <a:p>
             <a:r>
-              <a:rPr lang="ko-KR" altLang="en-US" smtClean="0"/>
+              <a:rPr lang="ko-KR" altLang="en-US"/>
               <a:t>마스터 제목 스타일 편집</a:t>
             </a:r>
             <a:endParaRPr lang="en-US" dirty="0"/>
@@ -5257,35 +5259,35 @@
           <a:p>
             <a:pPr lvl="0"/>
             <a:r>
-              <a:rPr lang="ko-KR" altLang="en-US" smtClean="0"/>
+              <a:rPr lang="ko-KR" altLang="en-US"/>
               <a:t>마스터 텍스트 스타일 편집</a:t>
             </a:r>
           </a:p>
           <a:p>
             <a:pPr lvl="1"/>
             <a:r>
-              <a:rPr lang="ko-KR" altLang="en-US" smtClean="0"/>
+              <a:rPr lang="ko-KR" altLang="en-US"/>
               <a:t>둘째 수준</a:t>
             </a:r>
           </a:p>
           <a:p>
             <a:pPr lvl="2"/>
             <a:r>
-              <a:rPr lang="ko-KR" altLang="en-US" smtClean="0"/>
+              <a:rPr lang="ko-KR" altLang="en-US"/>
               <a:t>셋째 수준</a:t>
             </a:r>
           </a:p>
           <a:p>
             <a:pPr lvl="3"/>
             <a:r>
-              <a:rPr lang="ko-KR" altLang="en-US" smtClean="0"/>
+              <a:rPr lang="ko-KR" altLang="en-US"/>
               <a:t>넷째 수준</a:t>
             </a:r>
           </a:p>
           <a:p>
             <a:pPr lvl="4"/>
             <a:r>
-              <a:rPr lang="ko-KR" altLang="en-US" smtClean="0"/>
+              <a:rPr lang="ko-KR" altLang="en-US"/>
               <a:t>다섯째 수준</a:t>
             </a:r>
             <a:endParaRPr lang="en-US" dirty="0"/>
@@ -5327,7 +5329,7 @@
           <a:p>
             <a:fld id="{94335D7C-7EEF-4522-9C38-2D33C6AC78AD}" type="datetimeFigureOut">
               <a:rPr lang="ko-KR" altLang="en-US" smtClean="0"/>
-              <a:t>2021-12-11</a:t>
+              <a:t>2021-12-15</a:t>
             </a:fld>
             <a:endParaRPr lang="ko-KR" altLang="en-US"/>
           </a:p>
@@ -5867,18 +5869,13 @@
           <a:lstStyle/>
           <a:p>
             <a:r>
-              <a:rPr lang="ko-KR" altLang="en-US" sz="4500" dirty="0" err="1" smtClean="0"/>
+              <a:rPr lang="ko-KR" altLang="en-US" sz="4500" dirty="0" err="1"/>
               <a:t>아두이노</a:t>
             </a:r>
             <a:r>
               <a:rPr lang="ko-KR" altLang="en-US" sz="4500" dirty="0"/>
-              <a:t> </a:t>
-            </a:r>
-            <a:r>
-              <a:rPr lang="ko-KR" altLang="en-US" sz="4500" dirty="0" smtClean="0"/>
-              <a:t>응용 기말 프로젝트</a:t>
-            </a:r>
-            <a:endParaRPr lang="ko-KR" altLang="en-US" sz="4500" dirty="0"/>
+              <a:t> 응용 기말 프로젝트</a:t>
+            </a:r>
           </a:p>
         </p:txBody>
       </p:sp>
@@ -5903,19 +5900,19 @@
           <a:lstStyle/>
           <a:p>
             <a:r>
-              <a:rPr lang="en-US" altLang="ko-KR" dirty="0" smtClean="0"/>
+              <a:rPr lang="en-US" altLang="ko-KR" dirty="0"/>
               <a:t>AA17</a:t>
             </a:r>
             <a:r>
-              <a:rPr lang="ko-KR" altLang="en-US" dirty="0" err="1" smtClean="0"/>
+              <a:rPr lang="ko-KR" altLang="en-US" dirty="0" err="1"/>
               <a:t>장태호</a:t>
             </a:r>
             <a:r>
-              <a:rPr lang="en-US" altLang="ko-KR" dirty="0" smtClean="0"/>
+              <a:rPr lang="en-US" altLang="ko-KR" dirty="0"/>
               <a:t>, AA20</a:t>
             </a:r>
             <a:r>
-              <a:rPr lang="ko-KR" altLang="en-US" dirty="0" err="1" smtClean="0"/>
+              <a:rPr lang="ko-KR" altLang="en-US" dirty="0" err="1"/>
               <a:t>황혁준</a:t>
             </a:r>
             <a:endParaRPr lang="ko-KR" altLang="en-US" dirty="0"/>
@@ -5969,11 +5966,7 @@
           <a:p>
             <a:r>
               <a:rPr lang="en-US" altLang="ko-KR" dirty="0" err="1"/>
-              <a:t>C</a:t>
-            </a:r>
-            <a:r>
-              <a:rPr lang="en-US" altLang="ko-KR" dirty="0" err="1" smtClean="0"/>
-              <a:t>olab</a:t>
+              <a:t>Colab</a:t>
             </a:r>
             <a:endParaRPr lang="ko-KR" altLang="en-US" dirty="0"/>
           </a:p>
@@ -6026,7 +6019,7 @@
           <a:lstStyle/>
           <a:p>
             <a:r>
-              <a:rPr lang="ko-KR" altLang="en-US" smtClean="0"/>
+              <a:rPr lang="ko-KR" altLang="en-US"/>
               <a:t>실시간으로 불러오기</a:t>
             </a:r>
             <a:endParaRPr lang="ko-KR" altLang="en-US" dirty="0"/>
@@ -6056,18 +6049,17 @@
           <a:lstStyle/>
           <a:p>
             <a:r>
-              <a:rPr lang="ko-KR" altLang="en-US" dirty="0" smtClean="0"/>
+              <a:rPr lang="ko-KR" altLang="en-US" dirty="0"/>
               <a:t>각 센서들의 </a:t>
             </a:r>
             <a:r>
-              <a:rPr lang="ko-KR" altLang="en-US" dirty="0" err="1" smtClean="0"/>
+              <a:rPr lang="ko-KR" altLang="en-US" dirty="0" err="1"/>
               <a:t>백터</a:t>
             </a:r>
             <a:r>
-              <a:rPr lang="ko-KR" altLang="en-US" dirty="0" smtClean="0"/>
+              <a:rPr lang="ko-KR" altLang="en-US" dirty="0"/>
               <a:t> 값</a:t>
             </a:r>
-            <a:endParaRPr lang="ko-KR" altLang="en-US" dirty="0"/>
           </a:p>
         </p:txBody>
       </p:sp>
@@ -6287,10 +6279,9 @@
           <a:lstStyle/>
           <a:p>
             <a:r>
-              <a:rPr lang="ko-KR" altLang="en-US" sz="1500" dirty="0" smtClean="0"/>
+              <a:rPr lang="ko-KR" altLang="en-US" sz="1500" dirty="0"/>
               <a:t>처음과 마지막 데이터</a:t>
             </a:r>
-            <a:endParaRPr lang="ko-KR" altLang="en-US" sz="1500" dirty="0"/>
           </a:p>
         </p:txBody>
       </p:sp>
@@ -6317,10 +6308,9 @@
           <a:lstStyle/>
           <a:p>
             <a:r>
-              <a:rPr lang="ko-KR" altLang="en-US" sz="1500" dirty="0" smtClean="0"/>
+              <a:rPr lang="ko-KR" altLang="en-US" sz="1500" dirty="0"/>
               <a:t>값들의 정보</a:t>
             </a:r>
-            <a:endParaRPr lang="ko-KR" altLang="en-US" sz="1500" dirty="0"/>
           </a:p>
         </p:txBody>
       </p:sp>
@@ -6370,7 +6360,7 @@
           <a:lstStyle/>
           <a:p>
             <a:r>
-              <a:rPr lang="en-US" altLang="ko-KR" dirty="0" err="1" smtClean="0"/>
+              <a:rPr lang="en-US" altLang="ko-KR" dirty="0" err="1"/>
               <a:t>Colab</a:t>
             </a:r>
             <a:endParaRPr lang="ko-KR" altLang="en-US" dirty="0"/>
@@ -6424,11 +6414,11 @@
           <a:lstStyle/>
           <a:p>
             <a:r>
-              <a:rPr lang="ko-KR" altLang="en-US" sz="1500" dirty="0" smtClean="0"/>
+              <a:rPr lang="ko-KR" altLang="en-US" sz="1500" dirty="0"/>
               <a:t>정리 후 </a:t>
             </a:r>
             <a:r>
-              <a:rPr lang="en-US" altLang="ko-KR" sz="1500" dirty="0" err="1" smtClean="0"/>
+              <a:rPr lang="en-US" altLang="ko-KR" sz="1500" dirty="0" err="1"/>
               <a:t>iot_data</a:t>
             </a:r>
             <a:endParaRPr lang="ko-KR" altLang="en-US" sz="1500" dirty="0"/>
@@ -6482,10 +6472,9 @@
           <a:lstStyle/>
           <a:p>
             <a:r>
-              <a:rPr lang="ko-KR" altLang="en-US" sz="1500" dirty="0" smtClean="0"/>
+              <a:rPr lang="ko-KR" altLang="en-US" sz="1500" dirty="0"/>
               <a:t>뒤에서 출력</a:t>
             </a:r>
-            <a:endParaRPr lang="ko-KR" altLang="en-US" sz="1500" dirty="0"/>
           </a:p>
         </p:txBody>
       </p:sp>
@@ -6535,19 +6524,19 @@
           <a:lstStyle/>
           <a:p>
             <a:r>
-              <a:rPr lang="en-US" altLang="ko-KR" dirty="0" err="1" smtClean="0"/>
+              <a:rPr lang="en-US" altLang="ko-KR" dirty="0" err="1"/>
               <a:t>Colab</a:t>
             </a:r>
             <a:r>
-              <a:rPr lang="en-US" altLang="ko-KR" dirty="0" smtClean="0"/>
+              <a:rPr lang="en-US" altLang="ko-KR" dirty="0"/>
               <a:t>(</a:t>
             </a:r>
             <a:r>
-              <a:rPr lang="ko-KR" altLang="en-US" dirty="0" smtClean="0"/>
+              <a:rPr lang="ko-KR" altLang="en-US" dirty="0"/>
               <a:t>그래프</a:t>
             </a:r>
             <a:r>
-              <a:rPr lang="en-US" altLang="ko-KR" dirty="0" smtClean="0"/>
+              <a:rPr lang="en-US" altLang="ko-KR" dirty="0"/>
               <a:t>)</a:t>
             </a:r>
             <a:endParaRPr lang="ko-KR" altLang="en-US" dirty="0"/>
@@ -6673,17 +6662,16 @@
           <a:lstStyle/>
           <a:p>
             <a:r>
-              <a:rPr lang="ko-KR" altLang="en-US" sz="1500" dirty="0" smtClean="0"/>
+              <a:rPr lang="ko-KR" altLang="en-US" sz="1500" dirty="0"/>
               <a:t>가속도</a:t>
             </a:r>
-            <a:endParaRPr lang="en-US" altLang="ko-KR" sz="1500" dirty="0" smtClean="0"/>
-          </a:p>
-          <a:p>
-            <a:r>
-              <a:rPr lang="ko-KR" altLang="en-US" sz="1500" dirty="0" smtClean="0"/>
+            <a:endParaRPr lang="en-US" altLang="ko-KR" sz="1500" dirty="0"/>
+          </a:p>
+          <a:p>
+            <a:r>
+              <a:rPr lang="ko-KR" altLang="en-US" sz="1500" dirty="0"/>
               <a:t>센서</a:t>
             </a:r>
-            <a:endParaRPr lang="ko-KR" altLang="en-US" sz="1500" dirty="0"/>
           </a:p>
         </p:txBody>
       </p:sp>
@@ -6710,17 +6698,16 @@
           <a:lstStyle/>
           <a:p>
             <a:r>
-              <a:rPr lang="ko-KR" altLang="en-US" sz="1500" dirty="0" err="1" smtClean="0"/>
+              <a:rPr lang="ko-KR" altLang="en-US" sz="1500" dirty="0" err="1"/>
               <a:t>자이로</a:t>
             </a:r>
-            <a:endParaRPr lang="en-US" altLang="ko-KR" sz="1500" dirty="0" smtClean="0"/>
-          </a:p>
-          <a:p>
-            <a:r>
-              <a:rPr lang="ko-KR" altLang="en-US" sz="1500" dirty="0" smtClean="0"/>
+            <a:endParaRPr lang="en-US" altLang="ko-KR" sz="1500" dirty="0"/>
+          </a:p>
+          <a:p>
+            <a:r>
+              <a:rPr lang="ko-KR" altLang="en-US" sz="1500" dirty="0"/>
               <a:t>센서</a:t>
             </a:r>
-            <a:endParaRPr lang="ko-KR" altLang="en-US" sz="1500" dirty="0"/>
           </a:p>
         </p:txBody>
       </p:sp>
@@ -6747,17 +6734,16 @@
           <a:lstStyle/>
           <a:p>
             <a:r>
-              <a:rPr lang="ko-KR" altLang="en-US" sz="1500" dirty="0" err="1" smtClean="0"/>
+              <a:rPr lang="ko-KR" altLang="en-US" sz="1500" dirty="0" err="1"/>
               <a:t>마그네틱</a:t>
             </a:r>
-            <a:endParaRPr lang="en-US" altLang="ko-KR" sz="1500" dirty="0" smtClean="0"/>
-          </a:p>
-          <a:p>
-            <a:r>
-              <a:rPr lang="ko-KR" altLang="en-US" sz="1500" dirty="0" smtClean="0"/>
+            <a:endParaRPr lang="en-US" altLang="ko-KR" sz="1500" dirty="0"/>
+          </a:p>
+          <a:p>
+            <a:r>
+              <a:rPr lang="ko-KR" altLang="en-US" sz="1500" dirty="0"/>
               <a:t>센서</a:t>
             </a:r>
-            <a:endParaRPr lang="ko-KR" altLang="en-US" sz="1500" dirty="0"/>
           </a:p>
         </p:txBody>
       </p:sp>
@@ -6784,22 +6770,21 @@
           <a:lstStyle/>
           <a:p>
             <a:r>
-              <a:rPr lang="en-US" altLang="ko-KR" sz="1500" dirty="0" smtClean="0"/>
+              <a:rPr lang="en-US" altLang="ko-KR" sz="1500" dirty="0"/>
               <a:t>3</a:t>
             </a:r>
             <a:r>
-              <a:rPr lang="ko-KR" altLang="en-US" sz="1500" dirty="0" smtClean="0"/>
+              <a:rPr lang="ko-KR" altLang="en-US" sz="1500" dirty="0"/>
               <a:t>개 센서의 </a:t>
             </a:r>
             <a:r>
-              <a:rPr lang="ko-KR" altLang="en-US" sz="1500" dirty="0" err="1" smtClean="0"/>
+              <a:rPr lang="ko-KR" altLang="en-US" sz="1500" dirty="0" err="1"/>
               <a:t>백터</a:t>
             </a:r>
             <a:r>
-              <a:rPr lang="ko-KR" altLang="en-US" sz="1500" dirty="0" smtClean="0"/>
+              <a:rPr lang="ko-KR" altLang="en-US" sz="1500" dirty="0"/>
               <a:t> 값</a:t>
             </a:r>
-            <a:endParaRPr lang="ko-KR" altLang="en-US" sz="1500" dirty="0"/>
           </a:p>
         </p:txBody>
       </p:sp>
@@ -6850,22 +6835,21 @@
           <a:lstStyle/>
           <a:p>
             <a:r>
-              <a:rPr lang="en-US" altLang="ko-KR" sz="1500" dirty="0" smtClean="0"/>
+              <a:rPr lang="en-US" altLang="ko-KR" sz="1500" dirty="0"/>
               <a:t>3</a:t>
             </a:r>
             <a:r>
-              <a:rPr lang="ko-KR" altLang="en-US" sz="1500" dirty="0" smtClean="0"/>
+              <a:rPr lang="ko-KR" altLang="en-US" sz="1500" dirty="0"/>
               <a:t>개 센서의 </a:t>
             </a:r>
             <a:r>
-              <a:rPr lang="ko-KR" altLang="en-US" sz="1500" dirty="0" err="1" smtClean="0"/>
+              <a:rPr lang="ko-KR" altLang="en-US" sz="1500" dirty="0" err="1"/>
               <a:t>백터</a:t>
             </a:r>
             <a:r>
-              <a:rPr lang="ko-KR" altLang="en-US" sz="1500" dirty="0" smtClean="0"/>
+              <a:rPr lang="ko-KR" altLang="en-US" sz="1500" dirty="0"/>
               <a:t> 값의 평균</a:t>
             </a:r>
-            <a:endParaRPr lang="ko-KR" altLang="en-US" sz="1500" dirty="0"/>
           </a:p>
         </p:txBody>
       </p:sp>
@@ -6873,6 +6857,231 @@
     <p:extLst>
       <p:ext uri="{BB962C8B-B14F-4D97-AF65-F5344CB8AC3E}">
         <p14:creationId xmlns:p14="http://schemas.microsoft.com/office/powerpoint/2010/main" val="336115762"/>
+      </p:ext>
+    </p:extLst>
+  </p:cSld>
+  <p:clrMapOvr>
+    <a:masterClrMapping/>
+  </p:clrMapOvr>
+</p:sld>
+</file>
+
+<file path=ppt/slides/slide14.xml><?xml version="1.0" encoding="utf-8"?>
+<p:sld xmlns:a="http://schemas.openxmlformats.org/drawingml/2006/main" xmlns:r="http://schemas.openxmlformats.org/officeDocument/2006/relationships" xmlns:p="http://schemas.openxmlformats.org/presentationml/2006/main">
+  <p:cSld>
+    <p:spTree>
+      <p:nvGrpSpPr>
+        <p:cNvPr id="1" name=""/>
+        <p:cNvGrpSpPr/>
+        <p:nvPr/>
+      </p:nvGrpSpPr>
+      <p:grpSpPr>
+        <a:xfrm>
+          <a:off x="0" y="0"/>
+          <a:ext cx="0" cy="0"/>
+          <a:chOff x="0" y="0"/>
+          <a:chExt cx="0" cy="0"/>
+        </a:xfrm>
+      </p:grpSpPr>
+      <p:sp>
+        <p:nvSpPr>
+          <p:cNvPr id="2" name="제목 1">
+            <a:extLst>
+              <a:ext uri="{FF2B5EF4-FFF2-40B4-BE49-F238E27FC236}">
+                <a16:creationId xmlns:a16="http://schemas.microsoft.com/office/drawing/2014/main" id="{9BDD5090-08B1-4B44-B8C3-E50E0EA1B881}"/>
+              </a:ext>
+            </a:extLst>
+          </p:cNvPr>
+          <p:cNvSpPr>
+            <a:spLocks noGrp="1"/>
+          </p:cNvSpPr>
+          <p:nvPr>
+            <p:ph type="title"/>
+          </p:nvPr>
+        </p:nvSpPr>
+        <p:spPr/>
+        <p:txBody>
+          <a:bodyPr/>
+          <a:lstStyle/>
+          <a:p>
+            <a:r>
+              <a:rPr lang="ko-KR" altLang="en-US" dirty="0"/>
+              <a:t>활용 사례</a:t>
+            </a:r>
+          </a:p>
+        </p:txBody>
+      </p:sp>
+      <p:sp>
+        <p:nvSpPr>
+          <p:cNvPr id="3" name="내용 개체 틀 2">
+            <a:extLst>
+              <a:ext uri="{FF2B5EF4-FFF2-40B4-BE49-F238E27FC236}">
+                <a16:creationId xmlns:a16="http://schemas.microsoft.com/office/drawing/2014/main" id="{C4917E21-4B16-46C3-8D2F-32153DEB576C}"/>
+              </a:ext>
+            </a:extLst>
+          </p:cNvPr>
+          <p:cNvSpPr>
+            <a:spLocks noGrp="1"/>
+          </p:cNvSpPr>
+          <p:nvPr>
+            <p:ph idx="1"/>
+          </p:nvPr>
+        </p:nvSpPr>
+        <p:spPr/>
+        <p:txBody>
+          <a:bodyPr/>
+          <a:lstStyle/>
+          <a:p>
+            <a:r>
+              <a:rPr lang="ko-KR" altLang="en-US" dirty="0"/>
+              <a:t>가속도센서와 </a:t>
+            </a:r>
+            <a:r>
+              <a:rPr lang="ko-KR" altLang="en-US" dirty="0" err="1"/>
+              <a:t>자이로센서가</a:t>
+            </a:r>
+            <a:r>
+              <a:rPr lang="ko-KR" altLang="en-US" dirty="0"/>
+              <a:t> 결합하면서 선박의 롤링</a:t>
+            </a:r>
+            <a:r>
+              <a:rPr lang="en-US" altLang="ko-KR" dirty="0"/>
+              <a:t>(</a:t>
+            </a:r>
+            <a:r>
+              <a:rPr lang="ko-KR" altLang="en-US" dirty="0" err="1"/>
+              <a:t>횡동요</a:t>
+            </a:r>
+            <a:r>
+              <a:rPr lang="en-US" altLang="ko-KR" dirty="0"/>
+              <a:t>)</a:t>
+            </a:r>
+            <a:r>
+              <a:rPr lang="ko-KR" altLang="en-US" dirty="0"/>
+              <a:t>을 줄이는 </a:t>
+            </a:r>
+            <a:r>
+              <a:rPr lang="ko-KR" altLang="en-US" dirty="0" err="1"/>
+              <a:t>배멀미방지장치</a:t>
+            </a:r>
+            <a:r>
+              <a:rPr lang="en-US" altLang="ko-KR" dirty="0"/>
+              <a:t>(CMG), </a:t>
+            </a:r>
+            <a:r>
+              <a:rPr lang="ko-KR" altLang="en-US" dirty="0"/>
+              <a:t>돌아다니며 청소를 하는 </a:t>
+            </a:r>
+            <a:r>
+              <a:rPr lang="ko-KR" altLang="en-US" dirty="0" err="1"/>
+              <a:t>휴머노이드</a:t>
+            </a:r>
+            <a:r>
+              <a:rPr lang="ko-KR" altLang="en-US" dirty="0"/>
+              <a:t> 로봇</a:t>
+            </a:r>
+            <a:endParaRPr lang="en-US" altLang="ko-KR" dirty="0"/>
+          </a:p>
+          <a:p>
+            <a:r>
+              <a:rPr lang="ko-KR" altLang="en-US" dirty="0"/>
+              <a:t>자기 센서는 자동차 이외에도 세탁기나 전자레인지와 같은 가전기기에서 문이 열리고 닫히는 것을 감지하는 용도로 사용</a:t>
+            </a:r>
+            <a:endParaRPr lang="en-US" altLang="ko-KR" dirty="0"/>
+          </a:p>
+          <a:p>
+            <a:r>
+              <a:rPr lang="ko-KR" altLang="en-US" dirty="0"/>
+              <a:t>예를 들어</a:t>
+            </a:r>
+            <a:r>
+              <a:rPr lang="en-US" altLang="ko-KR" dirty="0"/>
+              <a:t>, </a:t>
+            </a:r>
+            <a:r>
+              <a:rPr lang="ko-KR" altLang="en-US" dirty="0"/>
+              <a:t>보청기에서 자기 센서는 휴대전화가 가까이 있는 것을 감지하고 모드를 변경하여 사용자가 통화를 더 명확하게 들을 수 있도록 한다</a:t>
+            </a:r>
+            <a:r>
+              <a:rPr lang="en-US" altLang="ko-KR" dirty="0"/>
+              <a:t>.</a:t>
+            </a:r>
+          </a:p>
+          <a:p>
+            <a:endParaRPr lang="ko-KR" altLang="en-US" dirty="0"/>
+          </a:p>
+        </p:txBody>
+      </p:sp>
+    </p:spTree>
+    <p:extLst>
+      <p:ext uri="{BB962C8B-B14F-4D97-AF65-F5344CB8AC3E}">
+        <p14:creationId xmlns:p14="http://schemas.microsoft.com/office/powerpoint/2010/main" val="4058604251"/>
+      </p:ext>
+    </p:extLst>
+  </p:cSld>
+  <p:clrMapOvr>
+    <a:masterClrMapping/>
+  </p:clrMapOvr>
+</p:sld>
+</file>
+
+<file path=ppt/slides/slide15.xml><?xml version="1.0" encoding="utf-8"?>
+<p:sld xmlns:a="http://schemas.openxmlformats.org/drawingml/2006/main" xmlns:r="http://schemas.openxmlformats.org/officeDocument/2006/relationships" xmlns:p="http://schemas.openxmlformats.org/presentationml/2006/main">
+  <p:cSld>
+    <p:spTree>
+      <p:nvGrpSpPr>
+        <p:cNvPr id="1" name=""/>
+        <p:cNvGrpSpPr/>
+        <p:nvPr/>
+      </p:nvGrpSpPr>
+      <p:grpSpPr>
+        <a:xfrm>
+          <a:off x="0" y="0"/>
+          <a:ext cx="0" cy="0"/>
+          <a:chOff x="0" y="0"/>
+          <a:chExt cx="0" cy="0"/>
+        </a:xfrm>
+      </p:grpSpPr>
+      <p:sp>
+        <p:nvSpPr>
+          <p:cNvPr id="2" name="제목 1">
+            <a:extLst>
+              <a:ext uri="{FF2B5EF4-FFF2-40B4-BE49-F238E27FC236}">
+                <a16:creationId xmlns:a16="http://schemas.microsoft.com/office/drawing/2014/main" id="{96B65A83-FF7A-453B-B4F5-864939FD0249}"/>
+              </a:ext>
+            </a:extLst>
+          </p:cNvPr>
+          <p:cNvSpPr>
+            <a:spLocks noGrp="1"/>
+          </p:cNvSpPr>
+          <p:nvPr>
+            <p:ph type="title"/>
+          </p:nvPr>
+        </p:nvSpPr>
+        <p:spPr>
+          <a:xfrm>
+            <a:off x="887059" y="2924961"/>
+            <a:ext cx="8596668" cy="1320800"/>
+          </a:xfrm>
+        </p:spPr>
+        <p:txBody>
+          <a:bodyPr>
+            <a:normAutofit/>
+          </a:bodyPr>
+          <a:lstStyle/>
+          <a:p>
+            <a:pPr algn="ctr"/>
+            <a:r>
+              <a:rPr lang="ko-KR" altLang="en-US" sz="7000" dirty="0"/>
+              <a:t>감사합니다</a:t>
+            </a:r>
+          </a:p>
+        </p:txBody>
+      </p:sp>
+    </p:spTree>
+    <p:extLst>
+      <p:ext uri="{BB962C8B-B14F-4D97-AF65-F5344CB8AC3E}">
+        <p14:creationId xmlns:p14="http://schemas.microsoft.com/office/powerpoint/2010/main" val="2766850278"/>
       </p:ext>
     </p:extLst>
   </p:cSld>
@@ -6915,7 +7124,7 @@
           <a:lstStyle/>
           <a:p>
             <a:r>
-              <a:rPr lang="en-US" altLang="ko-KR" dirty="0" smtClean="0"/>
+              <a:rPr lang="en-US" altLang="ko-KR" dirty="0"/>
               <a:t>Nano33 BLE</a:t>
             </a:r>
             <a:endParaRPr lang="ko-KR" altLang="en-US" dirty="0"/>
@@ -6986,7 +7195,7 @@
           <a:lstStyle/>
           <a:p>
             <a:r>
-              <a:rPr lang="en-US" altLang="ko-KR" dirty="0" smtClean="0"/>
+              <a:rPr lang="en-US" altLang="ko-KR" dirty="0"/>
               <a:t>LSM9051 9-AxisIMU</a:t>
             </a:r>
             <a:endParaRPr lang="ko-KR" altLang="en-US" dirty="0"/>
@@ -7075,14 +7284,13 @@
           <a:lstStyle/>
           <a:p>
             <a:r>
-              <a:rPr lang="en-US" altLang="ko-KR" dirty="0" smtClean="0"/>
+              <a:rPr lang="en-US" altLang="ko-KR" dirty="0"/>
               <a:t>Arduino</a:t>
             </a:r>
             <a:r>
-              <a:rPr lang="ko-KR" altLang="en-US" dirty="0" smtClean="0"/>
+              <a:rPr lang="ko-KR" altLang="en-US" dirty="0"/>
               <a:t> 코드</a:t>
             </a:r>
-            <a:endParaRPr lang="ko-KR" altLang="en-US" dirty="0"/>
           </a:p>
         </p:txBody>
       </p:sp>
@@ -7341,11 +7549,7 @@
           <a:p>
             <a:r>
               <a:rPr lang="en-US" altLang="ko-KR" dirty="0"/>
-              <a:t>n</a:t>
-            </a:r>
-            <a:r>
-              <a:rPr lang="en-US" altLang="ko-KR" dirty="0" smtClean="0"/>
-              <a:t>ano.js</a:t>
+              <a:t>nano.js</a:t>
             </a:r>
             <a:endParaRPr lang="ko-KR" altLang="en-US" dirty="0"/>
           </a:p>
@@ -7692,14 +7896,13 @@
           <a:lstStyle/>
           <a:p>
             <a:r>
-              <a:rPr lang="ko-KR" altLang="en-US" smtClean="0"/>
+              <a:rPr lang="ko-KR" altLang="en-US"/>
               <a:t>센서값</a:t>
             </a:r>
             <a:r>
-              <a:rPr lang="ko-KR" altLang="en-US" dirty="0" smtClean="0"/>
+              <a:rPr lang="ko-KR" altLang="en-US" dirty="0"/>
               <a:t> 출력</a:t>
             </a:r>
-            <a:endParaRPr lang="ko-KR" altLang="en-US" dirty="0"/>
           </a:p>
         </p:txBody>
       </p:sp>
@@ -7726,10 +7929,9 @@
           <a:lstStyle/>
           <a:p>
             <a:r>
-              <a:rPr lang="ko-KR" altLang="en-US" dirty="0" smtClean="0"/>
+              <a:rPr lang="ko-KR" altLang="en-US" dirty="0"/>
               <a:t>값 받아오기</a:t>
             </a:r>
-            <a:endParaRPr lang="ko-KR" altLang="en-US" dirty="0"/>
           </a:p>
         </p:txBody>
       </p:sp>
@@ -7756,14 +7958,13 @@
           <a:lstStyle/>
           <a:p>
             <a:r>
-              <a:rPr lang="ko-KR" altLang="en-US" smtClean="0"/>
+              <a:rPr lang="ko-KR" altLang="en-US"/>
               <a:t>센서값</a:t>
             </a:r>
             <a:r>
-              <a:rPr lang="ko-KR" altLang="en-US" dirty="0" smtClean="0"/>
+              <a:rPr lang="ko-KR" altLang="en-US" dirty="0"/>
               <a:t> 출력</a:t>
             </a:r>
-            <a:endParaRPr lang="ko-KR" altLang="en-US" dirty="0"/>
           </a:p>
         </p:txBody>
       </p:sp>
@@ -7813,7 +8014,7 @@
           <a:lstStyle/>
           <a:p>
             <a:r>
-              <a:rPr lang="en-US" altLang="ko-KR" dirty="0" smtClean="0"/>
+              <a:rPr lang="en-US" altLang="ko-KR" dirty="0"/>
               <a:t>expressnano.js</a:t>
             </a:r>
             <a:endParaRPr lang="ko-KR" altLang="en-US" dirty="0"/>
@@ -8054,7 +8255,7 @@
           <a:lstStyle/>
           <a:p>
             <a:r>
-              <a:rPr lang="ko-KR" altLang="en-US" smtClean="0"/>
+              <a:rPr lang="ko-KR" altLang="en-US"/>
               <a:t>값 받기</a:t>
             </a:r>
             <a:endParaRPr lang="ko-KR" altLang="en-US" dirty="0"/>
@@ -8107,23 +8308,23 @@
           <a:lstStyle/>
           <a:p>
             <a:r>
-              <a:rPr lang="en-US" altLang="ko-KR" dirty="0" smtClean="0"/>
+              <a:rPr lang="en-US" altLang="ko-KR" dirty="0"/>
               <a:t>Html</a:t>
             </a:r>
             <a:r>
-              <a:rPr lang="ko-KR" altLang="en-US" dirty="0" smtClean="0"/>
+              <a:rPr lang="ko-KR" altLang="en-US" dirty="0"/>
               <a:t>파일</a:t>
             </a:r>
             <a:r>
-              <a:rPr lang="en-US" altLang="ko-KR" dirty="0" smtClean="0"/>
+              <a:rPr lang="en-US" altLang="ko-KR" dirty="0"/>
               <a:t>(</a:t>
             </a:r>
             <a:r>
-              <a:rPr lang="ko-KR" altLang="en-US" dirty="0" smtClean="0"/>
+              <a:rPr lang="ko-KR" altLang="en-US" dirty="0"/>
               <a:t>센서 값</a:t>
             </a:r>
             <a:r>
-              <a:rPr lang="en-US" altLang="ko-KR" dirty="0" smtClean="0"/>
+              <a:rPr lang="en-US" altLang="ko-KR" dirty="0"/>
               <a:t>)</a:t>
             </a:r>
             <a:endParaRPr lang="ko-KR" altLang="en-US" dirty="0"/>
@@ -8364,14 +8565,13 @@
           <a:lstStyle/>
           <a:p>
             <a:r>
-              <a:rPr lang="en-US" altLang="ko-KR" dirty="0" smtClean="0"/>
+              <a:rPr lang="en-US" altLang="ko-KR" dirty="0"/>
               <a:t>9</a:t>
             </a:r>
             <a:r>
-              <a:rPr lang="ko-KR" altLang="en-US" dirty="0" smtClean="0"/>
+              <a:rPr lang="ko-KR" altLang="en-US" dirty="0"/>
               <a:t>개의 센서 값</a:t>
             </a:r>
-            <a:endParaRPr lang="ko-KR" altLang="en-US" dirty="0"/>
           </a:p>
         </p:txBody>
       </p:sp>
@@ -8421,23 +8621,23 @@
           <a:lstStyle/>
           <a:p>
             <a:r>
-              <a:rPr lang="en-US" altLang="ko-KR" dirty="0" smtClean="0"/>
+              <a:rPr lang="en-US" altLang="ko-KR" dirty="0"/>
               <a:t>Html</a:t>
             </a:r>
             <a:r>
-              <a:rPr lang="ko-KR" altLang="en-US" dirty="0" smtClean="0"/>
+              <a:rPr lang="ko-KR" altLang="en-US" dirty="0"/>
               <a:t>파일</a:t>
             </a:r>
             <a:r>
-              <a:rPr lang="en-US" altLang="ko-KR" dirty="0" smtClean="0"/>
+              <a:rPr lang="en-US" altLang="ko-KR" dirty="0"/>
               <a:t>(</a:t>
             </a:r>
             <a:r>
-              <a:rPr lang="ko-KR" altLang="en-US" dirty="0" smtClean="0"/>
+              <a:rPr lang="ko-KR" altLang="en-US" dirty="0"/>
               <a:t>그래프</a:t>
             </a:r>
             <a:r>
-              <a:rPr lang="en-US" altLang="ko-KR" dirty="0" smtClean="0"/>
+              <a:rPr lang="en-US" altLang="ko-KR" dirty="0"/>
               <a:t>)</a:t>
             </a:r>
             <a:endParaRPr lang="ko-KR" altLang="en-US" dirty="0"/>
@@ -8539,7 +8739,7 @@
           <a:lstStyle/>
           <a:p>
             <a:r>
-              <a:rPr lang="en-US" altLang="ko-KR" dirty="0" err="1" smtClean="0">
+              <a:rPr lang="en-US" altLang="ko-KR" dirty="0" err="1">
                 <a:solidFill>
                   <a:srgbClr val="FF0000"/>
                 </a:solidFill>
@@ -8547,11 +8747,11 @@
               <a:t>Xaxis</a:t>
             </a:r>
             <a:r>
-              <a:rPr lang="ko-KR" altLang="en-US" dirty="0" smtClean="0"/>
+              <a:rPr lang="ko-KR" altLang="en-US" dirty="0"/>
               <a:t>와</a:t>
             </a:r>
             <a:r>
-              <a:rPr lang="en-US" altLang="ko-KR" dirty="0" err="1" smtClean="0">
+              <a:rPr lang="en-US" altLang="ko-KR" dirty="0" err="1">
                 <a:solidFill>
                   <a:srgbClr val="FF0000"/>
                 </a:solidFill>
@@ -8559,17 +8759,16 @@
               <a:t>Yaxis</a:t>
             </a:r>
             <a:r>
-              <a:rPr lang="ko-KR" altLang="en-US" dirty="0" smtClean="0"/>
+              <a:rPr lang="ko-KR" altLang="en-US" dirty="0"/>
               <a:t>를 이용하여</a:t>
             </a:r>
-            <a:endParaRPr lang="en-US" altLang="ko-KR" dirty="0" smtClean="0"/>
-          </a:p>
-          <a:p>
-            <a:r>
-              <a:rPr lang="ko-KR" altLang="en-US" dirty="0" smtClean="0"/>
+            <a:endParaRPr lang="en-US" altLang="ko-KR" dirty="0"/>
+          </a:p>
+          <a:p>
+            <a:r>
+              <a:rPr lang="ko-KR" altLang="en-US" dirty="0"/>
               <a:t>좌표를 지정</a:t>
             </a:r>
-            <a:endParaRPr lang="ko-KR" altLang="en-US" dirty="0"/>
           </a:p>
         </p:txBody>
       </p:sp>
@@ -8891,15 +9090,15 @@
               <a:t>파일</a:t>
             </a:r>
             <a:r>
-              <a:rPr lang="en-US" altLang="ko-KR" dirty="0" smtClean="0"/>
+              <a:rPr lang="en-US" altLang="ko-KR" dirty="0"/>
               <a:t>(</a:t>
             </a:r>
             <a:r>
-              <a:rPr lang="ko-KR" altLang="en-US" dirty="0" smtClean="0"/>
+              <a:rPr lang="ko-KR" altLang="en-US" dirty="0"/>
               <a:t>게이지</a:t>
             </a:r>
             <a:r>
-              <a:rPr lang="en-US" altLang="ko-KR" dirty="0" smtClean="0"/>
+              <a:rPr lang="en-US" altLang="ko-KR" dirty="0"/>
               <a:t>)</a:t>
             </a:r>
             <a:endParaRPr lang="ko-KR" altLang="en-US" dirty="0"/>
@@ -8953,22 +9152,21 @@
           <a:lstStyle/>
           <a:p>
             <a:r>
-              <a:rPr lang="en-US" altLang="ko-KR" dirty="0" smtClean="0"/>
+              <a:rPr lang="en-US" altLang="ko-KR" dirty="0"/>
               <a:t>Math</a:t>
             </a:r>
             <a:r>
-              <a:rPr lang="ko-KR" altLang="en-US" dirty="0" smtClean="0"/>
+              <a:rPr lang="ko-KR" altLang="en-US" dirty="0"/>
               <a:t>를 이용하여 각 센서들의 </a:t>
             </a:r>
             <a:r>
-              <a:rPr lang="ko-KR" altLang="en-US" dirty="0" err="1" smtClean="0"/>
+              <a:rPr lang="ko-KR" altLang="en-US" dirty="0" err="1"/>
               <a:t>백터</a:t>
             </a:r>
             <a:r>
-              <a:rPr lang="ko-KR" altLang="en-US" dirty="0" smtClean="0"/>
+              <a:rPr lang="ko-KR" altLang="en-US" dirty="0"/>
               <a:t> 값을 계산 </a:t>
             </a:r>
-            <a:endParaRPr lang="ko-KR" altLang="en-US" dirty="0"/>
           </a:p>
         </p:txBody>
       </p:sp>
@@ -9063,14 +9261,13 @@
           <a:lstStyle/>
           <a:p>
             <a:r>
-              <a:rPr lang="ko-KR" altLang="en-US" dirty="0" err="1" smtClean="0"/>
+              <a:rPr lang="ko-KR" altLang="en-US" dirty="0" err="1"/>
               <a:t>백터</a:t>
             </a:r>
             <a:r>
-              <a:rPr lang="ko-KR" altLang="en-US" dirty="0" smtClean="0"/>
+              <a:rPr lang="ko-KR" altLang="en-US" dirty="0"/>
               <a:t> 값을 받을 배열 생성</a:t>
             </a:r>
-            <a:endParaRPr lang="ko-KR" altLang="en-US" dirty="0"/>
           </a:p>
         </p:txBody>
       </p:sp>
@@ -9120,14 +9317,13 @@
           <a:lstStyle/>
           <a:p>
             <a:r>
-              <a:rPr lang="en-US" altLang="ko-KR" dirty="0" smtClean="0"/>
+              <a:rPr lang="en-US" altLang="ko-KR" dirty="0"/>
               <a:t>Live Server </a:t>
             </a:r>
             <a:r>
-              <a:rPr lang="ko-KR" altLang="en-US" dirty="0" smtClean="0"/>
+              <a:rPr lang="ko-KR" altLang="en-US" dirty="0"/>
               <a:t>결과</a:t>
             </a:r>
-            <a:endParaRPr lang="ko-KR" altLang="en-US" dirty="0"/>
           </a:p>
         </p:txBody>
       </p:sp>
